--- a/Presentation.pptx
+++ b/Presentation.pptx
@@ -110,11 +110,27 @@
       </a:defRPr>
     </a:lvl9pPr>
   </p:defaultTextStyle>
+  <p:extLst>
+    <p:ext uri="{EFAFB233-063F-42B5-8137-9DF3F51BA10A}">
+      <p15:sldGuideLst xmlns:p15="http://schemas.microsoft.com/office/powerpoint/2012/main">
+        <p15:guide id="1" orient="horz" pos="2160">
+          <p15:clr>
+            <a:srgbClr val="A4A3A4"/>
+          </p15:clr>
+        </p15:guide>
+        <p15:guide id="2" pos="2880">
+          <p15:clr>
+            <a:srgbClr val="A4A3A4"/>
+          </p15:clr>
+        </p15:guide>
+      </p15:sldGuideLst>
+    </p:ext>
+  </p:extLst>
 </p:presentation>
 </file>
 
 <file path=ppt/slideLayouts/slideLayout1.xml><?xml version="1.0" encoding="utf-8"?>
-<p:sldLayout xmlns:a="http://schemas.openxmlformats.org/drawingml/2006/main" xmlns:r="http://schemas.openxmlformats.org/officeDocument/2006/relationships" xmlns:p="http://schemas.openxmlformats.org/presentationml/2006/main" type="title" preserve="1">
+<p:sldLayout xmlns:a="http://schemas.openxmlformats.org/drawingml/2006/main" xmlns:r="http://schemas.openxmlformats.org/officeDocument/2006/relationships" xmlns:p="http://schemas.openxmlformats.org/presentationml/2006/main" showMasterSp="0" type="title" preserve="1">
   <p:cSld name="Заглавен слайд">
     <p:spTree>
       <p:nvGrpSpPr>
@@ -305,7 +321,7 @@
           <a:p>
             <a:fld id="{DDE870DA-2A0E-4DB8-A25D-C09E29500FC2}" type="datetimeFigureOut">
               <a:rPr lang="bg-BG" smtClean="0"/>
-              <a:t>19.9.2016 г.</a:t>
+              <a:t>20.9.2016 г.</a:t>
             </a:fld>
             <a:endParaRPr lang="bg-BG"/>
           </a:p>
@@ -362,7 +378,7 @@
 </file>
 
 <file path=ppt/slideLayouts/slideLayout10.xml><?xml version="1.0" encoding="utf-8"?>
-<p:sldLayout xmlns:a="http://schemas.openxmlformats.org/drawingml/2006/main" xmlns:r="http://schemas.openxmlformats.org/officeDocument/2006/relationships" xmlns:p="http://schemas.openxmlformats.org/presentationml/2006/main" type="vertTx" preserve="1">
+<p:sldLayout xmlns:a="http://schemas.openxmlformats.org/drawingml/2006/main" xmlns:r="http://schemas.openxmlformats.org/officeDocument/2006/relationships" xmlns:p="http://schemas.openxmlformats.org/presentationml/2006/main" showMasterSp="0" type="vertTx" preserve="1">
   <p:cSld name="Заглавие и вертикален текст">
     <p:spTree>
       <p:nvGrpSpPr>
@@ -470,7 +486,7 @@
           <a:p>
             <a:fld id="{DDE870DA-2A0E-4DB8-A25D-C09E29500FC2}" type="datetimeFigureOut">
               <a:rPr lang="bg-BG" smtClean="0"/>
-              <a:t>19.9.2016 г.</a:t>
+              <a:t>20.9.2016 г.</a:t>
             </a:fld>
             <a:endParaRPr lang="bg-BG"/>
           </a:p>
@@ -527,7 +543,7 @@
 </file>
 
 <file path=ppt/slideLayouts/slideLayout11.xml><?xml version="1.0" encoding="utf-8"?>
-<p:sldLayout xmlns:a="http://schemas.openxmlformats.org/drawingml/2006/main" xmlns:r="http://schemas.openxmlformats.org/officeDocument/2006/relationships" xmlns:p="http://schemas.openxmlformats.org/presentationml/2006/main" type="vertTitleAndTx" preserve="1">
+<p:sldLayout xmlns:a="http://schemas.openxmlformats.org/drawingml/2006/main" xmlns:r="http://schemas.openxmlformats.org/officeDocument/2006/relationships" xmlns:p="http://schemas.openxmlformats.org/presentationml/2006/main" showMasterSp="0" type="vertTitleAndTx" preserve="1">
   <p:cSld name="Вертикално заглавие и текст">
     <p:spTree>
       <p:nvGrpSpPr>
@@ -645,7 +661,7 @@
           <a:p>
             <a:fld id="{DDE870DA-2A0E-4DB8-A25D-C09E29500FC2}" type="datetimeFigureOut">
               <a:rPr lang="bg-BG" smtClean="0"/>
-              <a:t>19.9.2016 г.</a:t>
+              <a:t>20.9.2016 г.</a:t>
             </a:fld>
             <a:endParaRPr lang="bg-BG"/>
           </a:p>
@@ -702,7 +718,7 @@
 </file>
 
 <file path=ppt/slideLayouts/slideLayout2.xml><?xml version="1.0" encoding="utf-8"?>
-<p:sldLayout xmlns:a="http://schemas.openxmlformats.org/drawingml/2006/main" xmlns:r="http://schemas.openxmlformats.org/officeDocument/2006/relationships" xmlns:p="http://schemas.openxmlformats.org/presentationml/2006/main" type="obj" preserve="1">
+<p:sldLayout xmlns:a="http://schemas.openxmlformats.org/drawingml/2006/main" xmlns:r="http://schemas.openxmlformats.org/officeDocument/2006/relationships" xmlns:p="http://schemas.openxmlformats.org/presentationml/2006/main" showMasterSp="0" type="obj" preserve="1">
   <p:cSld name="Заглавие и съдържание">
     <p:spTree>
       <p:nvGrpSpPr>
@@ -828,7 +844,7 @@
           <a:p>
             <a:fld id="{DDE870DA-2A0E-4DB8-A25D-C09E29500FC2}" type="datetimeFigureOut">
               <a:rPr lang="bg-BG" smtClean="0"/>
-              <a:t>19.9.2016 г.</a:t>
+              <a:t>20.9.2016 г.</a:t>
             </a:fld>
             <a:endParaRPr lang="bg-BG"/>
           </a:p>
@@ -885,7 +901,7 @@
 </file>
 
 <file path=ppt/slideLayouts/slideLayout3.xml><?xml version="1.0" encoding="utf-8"?>
-<p:sldLayout xmlns:a="http://schemas.openxmlformats.org/drawingml/2006/main" xmlns:r="http://schemas.openxmlformats.org/officeDocument/2006/relationships" xmlns:p="http://schemas.openxmlformats.org/presentationml/2006/main" type="secHead" preserve="1">
+<p:sldLayout xmlns:a="http://schemas.openxmlformats.org/drawingml/2006/main" xmlns:r="http://schemas.openxmlformats.org/officeDocument/2006/relationships" xmlns:p="http://schemas.openxmlformats.org/presentationml/2006/main" showMasterSp="0" type="secHead" preserve="1">
   <p:cSld name="Заглавка на секция">
     <p:spTree>
       <p:nvGrpSpPr>
@@ -1090,7 +1106,7 @@
           <a:p>
             <a:fld id="{DDE870DA-2A0E-4DB8-A25D-C09E29500FC2}" type="datetimeFigureOut">
               <a:rPr lang="bg-BG" smtClean="0"/>
-              <a:t>19.9.2016 г.</a:t>
+              <a:t>20.9.2016 г.</a:t>
             </a:fld>
             <a:endParaRPr lang="bg-BG"/>
           </a:p>
@@ -1297,7 +1313,7 @@
 </file>
 
 <file path=ppt/slideLayouts/slideLayout4.xml><?xml version="1.0" encoding="utf-8"?>
-<p:sldLayout xmlns:a="http://schemas.openxmlformats.org/drawingml/2006/main" xmlns:r="http://schemas.openxmlformats.org/officeDocument/2006/relationships" xmlns:p="http://schemas.openxmlformats.org/presentationml/2006/main" type="twoObj" preserve="1">
+<p:sldLayout xmlns:a="http://schemas.openxmlformats.org/drawingml/2006/main" xmlns:r="http://schemas.openxmlformats.org/officeDocument/2006/relationships" xmlns:p="http://schemas.openxmlformats.org/presentationml/2006/main" showMasterSp="0" type="twoObj" preserve="1">
   <p:cSld name="Две съдържания">
     <p:spTree>
       <p:nvGrpSpPr>
@@ -1438,7 +1454,7 @@
           <a:p>
             <a:fld id="{DDE870DA-2A0E-4DB8-A25D-C09E29500FC2}" type="datetimeFigureOut">
               <a:rPr lang="bg-BG" smtClean="0"/>
-              <a:t>19.9.2016 г.</a:t>
+              <a:t>20.9.2016 г.</a:t>
             </a:fld>
             <a:endParaRPr lang="bg-BG"/>
           </a:p>
@@ -1552,7 +1568,7 @@
 </file>
 
 <file path=ppt/slideLayouts/slideLayout5.xml><?xml version="1.0" encoding="utf-8"?>
-<p:sldLayout xmlns:a="http://schemas.openxmlformats.org/drawingml/2006/main" xmlns:r="http://schemas.openxmlformats.org/officeDocument/2006/relationships" xmlns:p="http://schemas.openxmlformats.org/presentationml/2006/main" type="twoTxTwoObj" preserve="1">
+<p:sldLayout xmlns:a="http://schemas.openxmlformats.org/drawingml/2006/main" xmlns:r="http://schemas.openxmlformats.org/officeDocument/2006/relationships" xmlns:p="http://schemas.openxmlformats.org/presentationml/2006/main" showMasterSp="0" type="twoTxTwoObj" preserve="1">
   <p:cSld name="Сравнение">
     <p:spTree>
       <p:nvGrpSpPr>
@@ -1746,7 +1762,7 @@
           <a:p>
             <a:fld id="{DDE870DA-2A0E-4DB8-A25D-C09E29500FC2}" type="datetimeFigureOut">
               <a:rPr lang="bg-BG" smtClean="0"/>
-              <a:t>19.9.2016 г.</a:t>
+              <a:t>20.9.2016 г.</a:t>
             </a:fld>
             <a:endParaRPr lang="bg-BG"/>
           </a:p>
@@ -1917,7 +1933,7 @@
 </file>
 
 <file path=ppt/slideLayouts/slideLayout6.xml><?xml version="1.0" encoding="utf-8"?>
-<p:sldLayout xmlns:a="http://schemas.openxmlformats.org/drawingml/2006/main" xmlns:r="http://schemas.openxmlformats.org/officeDocument/2006/relationships" xmlns:p="http://schemas.openxmlformats.org/presentationml/2006/main" type="titleOnly" preserve="1">
+<p:sldLayout xmlns:a="http://schemas.openxmlformats.org/drawingml/2006/main" xmlns:r="http://schemas.openxmlformats.org/officeDocument/2006/relationships" xmlns:p="http://schemas.openxmlformats.org/presentationml/2006/main" showMasterSp="0" type="titleOnly" preserve="1">
   <p:cSld name="Само заглавие">
     <p:spTree>
       <p:nvGrpSpPr>
@@ -1973,7 +1989,7 @@
           <a:p>
             <a:fld id="{DDE870DA-2A0E-4DB8-A25D-C09E29500FC2}" type="datetimeFigureOut">
               <a:rPr lang="bg-BG" smtClean="0"/>
-              <a:t>19.9.2016 г.</a:t>
+              <a:t>20.9.2016 г.</a:t>
             </a:fld>
             <a:endParaRPr lang="bg-BG"/>
           </a:p>
@@ -2030,7 +2046,7 @@
 </file>
 
 <file path=ppt/slideLayouts/slideLayout7.xml><?xml version="1.0" encoding="utf-8"?>
-<p:sldLayout xmlns:a="http://schemas.openxmlformats.org/drawingml/2006/main" xmlns:r="http://schemas.openxmlformats.org/officeDocument/2006/relationships" xmlns:p="http://schemas.openxmlformats.org/presentationml/2006/main" type="blank" preserve="1">
+<p:sldLayout xmlns:a="http://schemas.openxmlformats.org/drawingml/2006/main" xmlns:r="http://schemas.openxmlformats.org/officeDocument/2006/relationships" xmlns:p="http://schemas.openxmlformats.org/presentationml/2006/main" showMasterSp="0" type="blank" preserve="1">
   <p:cSld name="Празен">
     <p:spTree>
       <p:nvGrpSpPr>
@@ -2063,7 +2079,7 @@
           <a:p>
             <a:fld id="{DDE870DA-2A0E-4DB8-A25D-C09E29500FC2}" type="datetimeFigureOut">
               <a:rPr lang="bg-BG" smtClean="0"/>
-              <a:t>19.9.2016 г.</a:t>
+              <a:t>20.9.2016 г.</a:t>
             </a:fld>
             <a:endParaRPr lang="bg-BG"/>
           </a:p>
@@ -2120,7 +2136,7 @@
 </file>
 
 <file path=ppt/slideLayouts/slideLayout8.xml><?xml version="1.0" encoding="utf-8"?>
-<p:sldLayout xmlns:a="http://schemas.openxmlformats.org/drawingml/2006/main" xmlns:r="http://schemas.openxmlformats.org/officeDocument/2006/relationships" xmlns:p="http://schemas.openxmlformats.org/presentationml/2006/main" type="objTx" preserve="1">
+<p:sldLayout xmlns:a="http://schemas.openxmlformats.org/drawingml/2006/main" xmlns:r="http://schemas.openxmlformats.org/officeDocument/2006/relationships" xmlns:p="http://schemas.openxmlformats.org/presentationml/2006/main" showMasterSp="0" type="objTx" preserve="1">
   <p:cSld name="Съдържание с надпис">
     <p:spTree>
       <p:nvGrpSpPr>
@@ -2351,7 +2367,7 @@
           <a:p>
             <a:fld id="{DDE870DA-2A0E-4DB8-A25D-C09E29500FC2}" type="datetimeFigureOut">
               <a:rPr lang="bg-BG" smtClean="0"/>
-              <a:t>19.9.2016 г.</a:t>
+              <a:t>20.9.2016 г.</a:t>
             </a:fld>
             <a:endParaRPr lang="bg-BG"/>
           </a:p>
@@ -2408,7 +2424,7 @@
 </file>
 
 <file path=ppt/slideLayouts/slideLayout9.xml><?xml version="1.0" encoding="utf-8"?>
-<p:sldLayout xmlns:a="http://schemas.openxmlformats.org/drawingml/2006/main" xmlns:r="http://schemas.openxmlformats.org/officeDocument/2006/relationships" xmlns:p="http://schemas.openxmlformats.org/presentationml/2006/main" type="picTx" preserve="1">
+<p:sldLayout xmlns:a="http://schemas.openxmlformats.org/drawingml/2006/main" xmlns:r="http://schemas.openxmlformats.org/officeDocument/2006/relationships" xmlns:p="http://schemas.openxmlformats.org/presentationml/2006/main" showMasterSp="0" type="picTx" preserve="1">
   <p:cSld name="Картина с надпис">
     <p:spTree>
       <p:nvGrpSpPr>
@@ -2620,7 +2636,7 @@
           <a:p>
             <a:fld id="{DDE870DA-2A0E-4DB8-A25D-C09E29500FC2}" type="datetimeFigureOut">
               <a:rPr lang="bg-BG" smtClean="0"/>
-              <a:t>19.9.2016 г.</a:t>
+              <a:t>20.9.2016 г.</a:t>
             </a:fld>
             <a:endParaRPr lang="bg-BG"/>
           </a:p>
@@ -2681,33 +2697,13 @@
   <p:cSld>
     <p:bg>
       <p:bgPr>
-        <a:gradFill flip="none" rotWithShape="1">
-          <a:gsLst>
-            <a:gs pos="63000">
-              <a:schemeClr val="bg2">
-                <a:tint val="80000"/>
-                <a:satMod val="250000"/>
-              </a:schemeClr>
-            </a:gs>
-            <a:gs pos="77000">
-              <a:schemeClr val="bg2">
-                <a:tint val="90000"/>
-                <a:shade val="90000"/>
-                <a:satMod val="200000"/>
-              </a:schemeClr>
-            </a:gs>
-            <a:gs pos="96000">
-              <a:srgbClr val="7030A0">
-                <a:lumMod val="43000"/>
-                <a:lumOff val="57000"/>
-              </a:srgbClr>
-            </a:gs>
-          </a:gsLst>
-          <a:path path="circle">
-            <a:fillToRect l="50000" t="50000" r="50000" b="50000"/>
-          </a:path>
-          <a:tileRect/>
-        </a:gradFill>
+        <a:blipFill dpi="0" rotWithShape="1">
+          <a:blip r:embed="rId13">
+            <a:lum/>
+          </a:blip>
+          <a:srcRect/>
+          <a:tile tx="0" ty="0" sx="100000" sy="100000" flip="none" algn="tl"/>
+        </a:blipFill>
         <a:effectLst/>
       </p:bgPr>
     </p:bg>
@@ -2857,7 +2853,7 @@
           <a:p>
             <a:fld id="{DDE870DA-2A0E-4DB8-A25D-C09E29500FC2}" type="datetimeFigureOut">
               <a:rPr lang="bg-BG" smtClean="0"/>
-              <a:t>19.9.2016 г.</a:t>
+              <a:t>20.9.2016 г.</a:t>
             </a:fld>
             <a:endParaRPr lang="bg-BG"/>
           </a:p>
@@ -3359,7 +3355,7 @@
 </file>
 
 <file path=ppt/slides/slide1.xml><?xml version="1.0" encoding="utf-8"?>
-<p:sld xmlns:a="http://schemas.openxmlformats.org/drawingml/2006/main" xmlns:r="http://schemas.openxmlformats.org/officeDocument/2006/relationships" xmlns:p="http://schemas.openxmlformats.org/presentationml/2006/main">
+<p:sld xmlns:a="http://schemas.openxmlformats.org/drawingml/2006/main" xmlns:r="http://schemas.openxmlformats.org/officeDocument/2006/relationships" xmlns:p="http://schemas.openxmlformats.org/presentationml/2006/main" showMasterSp="0">
   <p:cSld>
     <p:spTree>
       <p:nvGrpSpPr>
@@ -3387,7 +3383,7 @@
         </p:nvSpPr>
         <p:spPr>
           <a:xfrm>
-            <a:off x="1403648" y="2132856"/>
+            <a:off x="1184784" y="2852936"/>
             <a:ext cx="6982544" cy="1080121"/>
           </a:xfrm>
         </p:spPr>
@@ -3396,10 +3392,20 @@
           <a:lstStyle/>
           <a:p>
             <a:r>
-              <a:rPr lang="en-US" sz="6000" dirty="0" smtClean="0"/>
+              <a:rPr lang="en-US" sz="8800" i="1" dirty="0" smtClean="0">
+                <a:solidFill>
+                  <a:srgbClr val="5E0857"/>
+                </a:solidFill>
+                <a:latin typeface="Gabriola" panose="04040605051002020D02" pitchFamily="82" charset="0"/>
+              </a:rPr>
               <a:t>My world in frames</a:t>
             </a:r>
-            <a:endParaRPr lang="bg-BG" sz="6000" dirty="0"/>
+            <a:endParaRPr lang="bg-BG" sz="8800" i="1" dirty="0">
+              <a:solidFill>
+                <a:srgbClr val="5E0857"/>
+              </a:solidFill>
+              <a:latin typeface="Gabriola" panose="04040605051002020D02" pitchFamily="82" charset="0"/>
+            </a:endParaRPr>
           </a:p>
         </p:txBody>
       </p:sp>
@@ -3415,52 +3421,104 @@
         </p:nvSpPr>
         <p:spPr>
           <a:xfrm>
-            <a:off x="1475656" y="5229200"/>
+            <a:off x="1979712" y="5229200"/>
             <a:ext cx="6400800" cy="1219200"/>
           </a:xfrm>
         </p:spPr>
         <p:txBody>
-          <a:bodyPr/>
+          <a:bodyPr>
+            <a:noAutofit/>
+          </a:bodyPr>
           <a:lstStyle/>
           <a:p>
             <a:pPr algn="r"/>
             <a:r>
-              <a:rPr lang="en-US" dirty="0" smtClean="0"/>
+              <a:rPr lang="en-US" sz="4400" dirty="0" smtClean="0">
+                <a:solidFill>
+                  <a:srgbClr val="7F3779"/>
+                </a:solidFill>
+                <a:latin typeface="Gabriola" panose="04040605051002020D02" pitchFamily="82" charset="0"/>
+              </a:rPr>
               <a:t>By </a:t>
             </a:r>
             <a:r>
-              <a:rPr lang="en-US" dirty="0" err="1" smtClean="0"/>
+              <a:rPr lang="en-US" sz="4400" dirty="0" err="1" smtClean="0">
+                <a:solidFill>
+                  <a:srgbClr val="7F3779"/>
+                </a:solidFill>
+                <a:latin typeface="Gabriola" panose="04040605051002020D02" pitchFamily="82" charset="0"/>
+              </a:rPr>
               <a:t>Beloslava</a:t>
             </a:r>
             <a:r>
-              <a:rPr lang="en-US" dirty="0" smtClean="0"/>
+              <a:rPr lang="en-US" sz="4400" dirty="0" smtClean="0">
+                <a:solidFill>
+                  <a:srgbClr val="7F3779"/>
+                </a:solidFill>
+                <a:latin typeface="Gabriola" panose="04040605051002020D02" pitchFamily="82" charset="0"/>
+              </a:rPr>
               <a:t> </a:t>
             </a:r>
             <a:r>
-              <a:rPr lang="en-US" dirty="0" err="1" smtClean="0"/>
+              <a:rPr lang="en-US" sz="4400" dirty="0" err="1" smtClean="0">
+                <a:solidFill>
+                  <a:srgbClr val="7F3779"/>
+                </a:solidFill>
+                <a:latin typeface="Gabriola" panose="04040605051002020D02" pitchFamily="82" charset="0"/>
+              </a:rPr>
               <a:t>Nedelcheva</a:t>
             </a:r>
-            <a:endParaRPr lang="en-US" dirty="0" smtClean="0"/>
+            <a:endParaRPr lang="en-US" sz="4400" dirty="0" smtClean="0">
+              <a:solidFill>
+                <a:srgbClr val="7F3779"/>
+              </a:solidFill>
+              <a:latin typeface="Gabriola" panose="04040605051002020D02" pitchFamily="82" charset="0"/>
+            </a:endParaRPr>
           </a:p>
           <a:p>
             <a:pPr algn="r"/>
             <a:r>
-              <a:rPr lang="en-US" dirty="0" smtClean="0"/>
+              <a:rPr lang="en-US" sz="4400" dirty="0" smtClean="0">
+                <a:solidFill>
+                  <a:srgbClr val="7F3779"/>
+                </a:solidFill>
+                <a:latin typeface="Gabriola" panose="04040605051002020D02" pitchFamily="82" charset="0"/>
+              </a:rPr>
               <a:t> and </a:t>
             </a:r>
             <a:r>
-              <a:rPr lang="en-US" dirty="0" err="1" smtClean="0"/>
+              <a:rPr lang="en-US" sz="4400" dirty="0" err="1" smtClean="0">
+                <a:solidFill>
+                  <a:srgbClr val="7F3779"/>
+                </a:solidFill>
+                <a:latin typeface="Gabriola" panose="04040605051002020D02" pitchFamily="82" charset="0"/>
+              </a:rPr>
               <a:t>Iliyana</a:t>
             </a:r>
             <a:r>
-              <a:rPr lang="en-US" dirty="0" smtClean="0"/>
+              <a:rPr lang="en-US" sz="4400" dirty="0" smtClean="0">
+                <a:solidFill>
+                  <a:srgbClr val="7F3779"/>
+                </a:solidFill>
+                <a:latin typeface="Gabriola" panose="04040605051002020D02" pitchFamily="82" charset="0"/>
+              </a:rPr>
               <a:t> </a:t>
             </a:r>
             <a:r>
-              <a:rPr lang="en-US" dirty="0" err="1" smtClean="0"/>
+              <a:rPr lang="en-US" sz="4400" dirty="0" err="1" smtClean="0">
+                <a:solidFill>
+                  <a:srgbClr val="7F3779"/>
+                </a:solidFill>
+                <a:latin typeface="Gabriola" panose="04040605051002020D02" pitchFamily="82" charset="0"/>
+              </a:rPr>
               <a:t>Vitanova</a:t>
             </a:r>
-            <a:endParaRPr lang="bg-BG" dirty="0"/>
+            <a:endParaRPr lang="bg-BG" sz="4400" dirty="0">
+              <a:solidFill>
+                <a:srgbClr val="7F3779"/>
+              </a:solidFill>
+              <a:latin typeface="Gabriola" panose="04040605051002020D02" pitchFamily="82" charset="0"/>
+            </a:endParaRPr>
           </a:p>
         </p:txBody>
       </p:sp>
@@ -3487,7 +3545,7 @@
         </p:blipFill>
         <p:spPr bwMode="auto">
           <a:xfrm>
-            <a:off x="2411760" y="-171400"/>
+            <a:off x="2699792" y="332656"/>
             <a:ext cx="3619500" cy="2095500"/>
           </a:xfrm>
           <a:prstGeom prst="rect">
@@ -3515,13 +3573,13 @@
   <p:clrMapOvr>
     <a:masterClrMapping/>
   </p:clrMapOvr>
-  <mc:AlternateContent xmlns:mc="http://schemas.openxmlformats.org/markup-compatibility/2006" xmlns:p14="http://schemas.microsoft.com/office/powerpoint/2010/main">
-    <mc:Choice Requires="p14">
-      <p:transition spd="slow" p14:dur="900">
-        <p14:warp dir="in"/>
+  <mc:AlternateContent xmlns:mc="http://schemas.openxmlformats.org/markup-compatibility/2006">
+    <mc:Choice xmlns:p14="http://schemas.microsoft.com/office/powerpoint/2010/main" Requires="p14">
+      <p:transition spd="slow" p14:dur="1600">
+        <p14:prism isContent="1" isInverted="1"/>
       </p:transition>
     </mc:Choice>
-    <mc:Fallback xmlns="">
+    <mc:Fallback>
       <p:transition spd="slow">
         <p:fade/>
       </p:transition>
@@ -3538,7 +3596,7 @@
 </file>
 
 <file path=ppt/slides/slide2.xml><?xml version="1.0" encoding="utf-8"?>
-<p:sld xmlns:a="http://schemas.openxmlformats.org/drawingml/2006/main" xmlns:r="http://schemas.openxmlformats.org/officeDocument/2006/relationships" xmlns:p="http://schemas.openxmlformats.org/presentationml/2006/main">
+<p:sld xmlns:a="http://schemas.openxmlformats.org/drawingml/2006/main" xmlns:r="http://schemas.openxmlformats.org/officeDocument/2006/relationships" xmlns:p="http://schemas.openxmlformats.org/presentationml/2006/main" showMasterSp="0">
   <p:cSld>
     <p:spTree>
       <p:nvGrpSpPr>
@@ -3570,10 +3628,20 @@
           <a:lstStyle/>
           <a:p>
             <a:r>
-              <a:rPr lang="en-US" dirty="0" smtClean="0"/>
+              <a:rPr lang="en-US" sz="8800" dirty="0" smtClean="0">
+                <a:solidFill>
+                  <a:srgbClr val="5E0857"/>
+                </a:solidFill>
+                <a:latin typeface="Gabriola" panose="04040605051002020D02" pitchFamily="82" charset="0"/>
+              </a:rPr>
               <a:t>Who are we?</a:t>
             </a:r>
-            <a:endParaRPr lang="bg-BG" dirty="0"/>
+            <a:endParaRPr lang="bg-BG" sz="8800" dirty="0">
+              <a:solidFill>
+                <a:srgbClr val="5E0857"/>
+              </a:solidFill>
+              <a:latin typeface="Gabriola" panose="04040605051002020D02" pitchFamily="82" charset="0"/>
+            </a:endParaRPr>
           </a:p>
         </p:txBody>
       </p:sp>
@@ -3598,31 +3666,56 @@
           <a:lstStyle/>
           <a:p>
             <a:r>
-              <a:rPr lang="en-US" dirty="0" smtClean="0"/>
+              <a:rPr lang="en-US" sz="3200" dirty="0" smtClean="0">
+                <a:solidFill>
+                  <a:srgbClr val="7F3779"/>
+                </a:solidFill>
+                <a:latin typeface="Gabriola" panose="04040605051002020D02" pitchFamily="82" charset="0"/>
+              </a:rPr>
               <a:t>We are future Java EE developers from It Talents.</a:t>
             </a:r>
           </a:p>
           <a:p>
             <a:r>
-              <a:rPr lang="en-US" dirty="0" smtClean="0"/>
+              <a:rPr lang="en-US" sz="3200" dirty="0" smtClean="0">
+                <a:solidFill>
+                  <a:srgbClr val="7F3779"/>
+                </a:solidFill>
+                <a:latin typeface="Gabriola" panose="04040605051002020D02" pitchFamily="82" charset="0"/>
+              </a:rPr>
               <a:t>We are students in process of graduating our bachelor’s degree.</a:t>
             </a:r>
           </a:p>
           <a:p>
             <a:r>
-              <a:rPr lang="en-US" dirty="0" smtClean="0"/>
+              <a:rPr lang="en-US" sz="3200" dirty="0" smtClean="0">
+                <a:solidFill>
+                  <a:srgbClr val="7F3779"/>
+                </a:solidFill>
+                <a:latin typeface="Gabriola" panose="04040605051002020D02" pitchFamily="82" charset="0"/>
+              </a:rPr>
               <a:t>We are passionate about learning new stuff and technologies.</a:t>
             </a:r>
           </a:p>
           <a:p>
             <a:r>
-              <a:rPr lang="en-US" dirty="0" smtClean="0"/>
+              <a:rPr lang="en-US" sz="3200" dirty="0" smtClean="0">
+                <a:solidFill>
+                  <a:srgbClr val="7F3779"/>
+                </a:solidFill>
+                <a:latin typeface="Gabriola" panose="04040605051002020D02" pitchFamily="82" charset="0"/>
+              </a:rPr>
               <a:t>The photography is also a passion for each one of us.</a:t>
             </a:r>
           </a:p>
           <a:p>
             <a:r>
-              <a:rPr lang="en-US" dirty="0" smtClean="0"/>
+              <a:rPr lang="en-US" sz="3200" dirty="0" smtClean="0">
+                <a:solidFill>
+                  <a:srgbClr val="7F3779"/>
+                </a:solidFill>
+                <a:latin typeface="Gabriola" panose="04040605051002020D02" pitchFamily="82" charset="0"/>
+              </a:rPr>
               <a:t>We love putting in frames the best moments in our lives.</a:t>
             </a:r>
           </a:p>
@@ -3654,7 +3747,7 @@
       </p:sp>
       <p:pic>
         <p:nvPicPr>
-          <p:cNvPr id="3075" name="Picture 3" descr="D:\WIFRepo\WebContent\images\notification_icon.png"/>
+          <p:cNvPr id="6" name="Picture 5" descr="D:\WIFRepo\WebContent\images\logo.png"/>
           <p:cNvPicPr>
             <a:picLocks noChangeAspect="1" noChangeArrowheads="1"/>
           </p:cNvPicPr>
@@ -3675,8 +3768,8 @@
         </p:blipFill>
         <p:spPr bwMode="auto">
           <a:xfrm>
-            <a:off x="179512" y="116632"/>
-            <a:ext cx="573906" cy="573906"/>
+            <a:off x="7442402" y="5880094"/>
+            <a:ext cx="1689110" cy="977906"/>
           </a:xfrm>
           <a:prstGeom prst="rect">
             <a:avLst/>
@@ -3703,18 +3796,9 @@
   <p:clrMapOvr>
     <a:masterClrMapping/>
   </p:clrMapOvr>
-  <mc:AlternateContent xmlns:mc="http://schemas.openxmlformats.org/markup-compatibility/2006" xmlns:p14="http://schemas.microsoft.com/office/powerpoint/2010/main">
-    <mc:Choice Requires="p14">
-      <p:transition spd="slow" p14:dur="900">
-        <p14:warp dir="in"/>
-      </p:transition>
-    </mc:Choice>
-    <mc:Fallback xmlns="">
-      <p:transition spd="slow">
-        <p:fade/>
-      </p:transition>
-    </mc:Fallback>
-  </mc:AlternateContent>
+  <p:transition spd="med">
+    <p:pull/>
+  </p:transition>
   <p:timing>
     <p:tnLst>
       <p:par>
@@ -3726,7 +3810,7 @@
 </file>
 
 <file path=ppt/slides/slide3.xml><?xml version="1.0" encoding="utf-8"?>
-<p:sld xmlns:a="http://schemas.openxmlformats.org/drawingml/2006/main" xmlns:r="http://schemas.openxmlformats.org/officeDocument/2006/relationships" xmlns:p="http://schemas.openxmlformats.org/presentationml/2006/main">
+<p:sld xmlns:a="http://schemas.openxmlformats.org/drawingml/2006/main" xmlns:r="http://schemas.openxmlformats.org/officeDocument/2006/relationships" xmlns:p="http://schemas.openxmlformats.org/presentationml/2006/main" showMasterSp="0">
   <p:cSld>
     <p:spTree>
       <p:nvGrpSpPr>
@@ -3758,10 +3842,20 @@
           <a:lstStyle/>
           <a:p>
             <a:r>
-              <a:rPr lang="en-US" dirty="0" smtClean="0"/>
+              <a:rPr lang="en-US" sz="8800" dirty="0" smtClean="0">
+                <a:solidFill>
+                  <a:srgbClr val="5E0857"/>
+                </a:solidFill>
+                <a:latin typeface="Gabriola" panose="04040605051002020D02" pitchFamily="82" charset="0"/>
+              </a:rPr>
               <a:t>What did we do?</a:t>
             </a:r>
-            <a:endParaRPr lang="bg-BG" dirty="0"/>
+            <a:endParaRPr lang="bg-BG" sz="8800" dirty="0">
+              <a:solidFill>
+                <a:srgbClr val="5E0857"/>
+              </a:solidFill>
+              <a:latin typeface="Gabriola" panose="04040605051002020D02" pitchFamily="82" charset="0"/>
+            </a:endParaRPr>
           </a:p>
         </p:txBody>
       </p:sp>
@@ -3777,7 +3871,7 @@
         </p:nvSpPr>
         <p:spPr>
           <a:xfrm>
-            <a:off x="467544" y="2332037"/>
+            <a:off x="503548" y="1823549"/>
             <a:ext cx="8136904" cy="3833267"/>
           </a:xfrm>
         </p:spPr>
@@ -3786,27 +3880,52 @@
           <a:lstStyle/>
           <a:p>
             <a:r>
-              <a:rPr lang="en-US" dirty="0" smtClean="0"/>
+              <a:rPr lang="en-US" sz="3200" dirty="0" smtClean="0">
+                <a:solidFill>
+                  <a:srgbClr val="7F3779"/>
+                </a:solidFill>
+                <a:latin typeface="Gabriola" panose="04040605051002020D02" pitchFamily="82" charset="0"/>
+              </a:rPr>
               <a:t>We have done a web application for people who want to share their pictures with others.</a:t>
             </a:r>
           </a:p>
           <a:p>
             <a:r>
-              <a:rPr lang="en-US" dirty="0" smtClean="0"/>
+              <a:rPr lang="en-US" sz="3200" dirty="0" smtClean="0">
+                <a:solidFill>
+                  <a:srgbClr val="7F3779"/>
+                </a:solidFill>
+                <a:latin typeface="Gabriola" panose="04040605051002020D02" pitchFamily="82" charset="0"/>
+              </a:rPr>
               <a:t>It is also a good place to view </a:t>
             </a:r>
             <a:r>
-              <a:rPr lang="en-US" dirty="0"/>
+              <a:rPr lang="en-US" sz="3200" dirty="0">
+                <a:solidFill>
+                  <a:srgbClr val="7F3779"/>
+                </a:solidFill>
+                <a:latin typeface="Gabriola" panose="04040605051002020D02" pitchFamily="82" charset="0"/>
+              </a:rPr>
               <a:t>different </a:t>
             </a:r>
             <a:r>
-              <a:rPr lang="en-US" dirty="0" smtClean="0"/>
+              <a:rPr lang="en-US" sz="3200" dirty="0" smtClean="0">
+                <a:solidFill>
+                  <a:srgbClr val="7F3779"/>
+                </a:solidFill>
+                <a:latin typeface="Gabriola" panose="04040605051002020D02" pitchFamily="82" charset="0"/>
+              </a:rPr>
               <a:t>memories and great pictures from many people.</a:t>
             </a:r>
           </a:p>
           <a:p>
             <a:r>
-              <a:rPr lang="en-US" dirty="0" smtClean="0"/>
+              <a:rPr lang="en-US" sz="3200" dirty="0" smtClean="0">
+                <a:solidFill>
+                  <a:srgbClr val="7F3779"/>
+                </a:solidFill>
+                <a:latin typeface="Gabriola" panose="04040605051002020D02" pitchFamily="82" charset="0"/>
+              </a:rPr>
               <a:t>When you want to see a good photography you can see it in our page.</a:t>
             </a:r>
           </a:p>
@@ -3817,7 +3936,7 @@
       </p:sp>
       <p:pic>
         <p:nvPicPr>
-          <p:cNvPr id="5" name="Picture 3" descr="D:\WIFRepo\WebContent\images\notification_icon.png"/>
+          <p:cNvPr id="7" name="Picture 6" descr="D:\WIFRepo\WebContent\images\logo.png"/>
           <p:cNvPicPr>
             <a:picLocks noChangeAspect="1" noChangeArrowheads="1"/>
           </p:cNvPicPr>
@@ -3838,8 +3957,8 @@
         </p:blipFill>
         <p:spPr bwMode="auto">
           <a:xfrm>
-            <a:off x="179512" y="116632"/>
-            <a:ext cx="573906" cy="573906"/>
+            <a:off x="7442402" y="5880094"/>
+            <a:ext cx="1689110" cy="977906"/>
           </a:xfrm>
           <a:prstGeom prst="rect">
             <a:avLst/>
@@ -3866,188 +3985,9 @@
   <p:clrMapOvr>
     <a:masterClrMapping/>
   </p:clrMapOvr>
-  <mc:AlternateContent xmlns:mc="http://schemas.openxmlformats.org/markup-compatibility/2006" xmlns:p14="http://schemas.microsoft.com/office/powerpoint/2010/main">
-    <mc:Choice Requires="p14">
-      <p:transition spd="slow" p14:dur="900">
-        <p14:warp dir="in"/>
-      </p:transition>
-    </mc:Choice>
-    <mc:Fallback xmlns="">
-      <p:transition spd="slow">
-        <p:fade/>
-      </p:transition>
-    </mc:Fallback>
-  </mc:AlternateContent>
-  <p:timing>
-    <p:tnLst>
-      <p:par>
-        <p:cTn id="1" dur="indefinite" restart="never" nodeType="tmRoot"/>
-      </p:par>
-    </p:tnLst>
-  </p:timing>
-</p:sld>
-</file>
-
-<file path=ppt/slides/slide4.xml><?xml version="1.0" encoding="utf-8"?>
-<p:sld xmlns:a="http://schemas.openxmlformats.org/drawingml/2006/main" xmlns:r="http://schemas.openxmlformats.org/officeDocument/2006/relationships" xmlns:p="http://schemas.openxmlformats.org/presentationml/2006/main">
-  <p:cSld>
-    <p:spTree>
-      <p:nvGrpSpPr>
-        <p:cNvPr id="1" name=""/>
-        <p:cNvGrpSpPr/>
-        <p:nvPr/>
-      </p:nvGrpSpPr>
-      <p:grpSpPr>
-        <a:xfrm>
-          <a:off x="0" y="0"/>
-          <a:ext cx="0" cy="0"/>
-          <a:chOff x="0" y="0"/>
-          <a:chExt cx="0" cy="0"/>
-        </a:xfrm>
-      </p:grpSpPr>
-      <p:sp>
-        <p:nvSpPr>
-          <p:cNvPr id="2" name="Заглавие 1"/>
-          <p:cNvSpPr>
-            <a:spLocks noGrp="1"/>
-          </p:cNvSpPr>
-          <p:nvPr>
-            <p:ph type="title"/>
-          </p:nvPr>
-        </p:nvSpPr>
-        <p:spPr/>
-        <p:txBody>
-          <a:bodyPr/>
-          <a:lstStyle/>
-          <a:p>
-            <a:r>
-              <a:rPr lang="en-US" dirty="0" smtClean="0"/>
-              <a:t>What does it do?</a:t>
-            </a:r>
-            <a:endParaRPr lang="bg-BG" dirty="0"/>
-          </a:p>
-        </p:txBody>
-      </p:sp>
-      <p:sp>
-        <p:nvSpPr>
-          <p:cNvPr id="3" name="Контейнер за съдържание 2"/>
-          <p:cNvSpPr>
-            <a:spLocks noGrp="1"/>
-          </p:cNvSpPr>
-          <p:nvPr>
-            <p:ph idx="1"/>
-          </p:nvPr>
-        </p:nvSpPr>
-        <p:spPr>
-          <a:xfrm>
-            <a:off x="457200" y="1988841"/>
-            <a:ext cx="8229600" cy="4032448"/>
-          </a:xfrm>
-        </p:spPr>
-        <p:txBody>
-          <a:bodyPr/>
-          <a:lstStyle/>
-          <a:p>
-            <a:r>
-              <a:rPr lang="en-US" dirty="0" smtClean="0"/>
-              <a:t>It helps people to share photos.</a:t>
-            </a:r>
-          </a:p>
-          <a:p>
-            <a:r>
-              <a:rPr lang="en-US" dirty="0" smtClean="0"/>
-              <a:t>It is great to explore new photos.</a:t>
-            </a:r>
-          </a:p>
-          <a:p>
-            <a:r>
-              <a:rPr lang="en-US" dirty="0" smtClean="0"/>
-              <a:t>You can write comments for the posts you like/dislike.</a:t>
-            </a:r>
-          </a:p>
-          <a:p>
-            <a:r>
-              <a:rPr lang="en-US" dirty="0" smtClean="0"/>
-              <a:t>You can like and dislike photos.</a:t>
-            </a:r>
-          </a:p>
-          <a:p>
-            <a:r>
-              <a:rPr lang="en-US" dirty="0" smtClean="0"/>
-              <a:t>You can see posts from different categories.</a:t>
-            </a:r>
-          </a:p>
-          <a:p>
-            <a:r>
-              <a:rPr lang="en-US" dirty="0" smtClean="0"/>
-              <a:t>You can see the 10 most liked posts from our page.</a:t>
-            </a:r>
-          </a:p>
-        </p:txBody>
-      </p:sp>
-      <p:pic>
-        <p:nvPicPr>
-          <p:cNvPr id="5" name="Picture 3" descr="D:\WIFRepo\WebContent\images\notification_icon.png"/>
-          <p:cNvPicPr>
-            <a:picLocks noChangeAspect="1" noChangeArrowheads="1"/>
-          </p:cNvPicPr>
-          <p:nvPr/>
-        </p:nvPicPr>
-        <p:blipFill>
-          <a:blip r:embed="rId2">
-            <a:extLst>
-              <a:ext uri="{28A0092B-C50C-407E-A947-70E740481C1C}">
-                <a14:useLocalDpi xmlns:a14="http://schemas.microsoft.com/office/drawing/2010/main" val="0"/>
-              </a:ext>
-            </a:extLst>
-          </a:blip>
-          <a:srcRect/>
-          <a:stretch>
-            <a:fillRect/>
-          </a:stretch>
-        </p:blipFill>
-        <p:spPr bwMode="auto">
-          <a:xfrm>
-            <a:off x="179512" y="116632"/>
-            <a:ext cx="573906" cy="573906"/>
-          </a:xfrm>
-          <a:prstGeom prst="rect">
-            <a:avLst/>
-          </a:prstGeom>
-          <a:noFill/>
-          <a:extLst>
-            <a:ext uri="{909E8E84-426E-40DD-AFC4-6F175D3DCCD1}">
-              <a14:hiddenFill xmlns:a14="http://schemas.microsoft.com/office/drawing/2010/main">
-                <a:solidFill>
-                  <a:srgbClr val="FFFFFF"/>
-                </a:solidFill>
-              </a14:hiddenFill>
-            </a:ext>
-          </a:extLst>
-        </p:spPr>
-      </p:pic>
-    </p:spTree>
-    <p:extLst>
-      <p:ext uri="{BB962C8B-B14F-4D97-AF65-F5344CB8AC3E}">
-        <p14:creationId xmlns:p14="http://schemas.microsoft.com/office/powerpoint/2010/main" val="4237826125"/>
-      </p:ext>
-    </p:extLst>
-  </p:cSld>
-  <p:clrMapOvr>
-    <a:masterClrMapping/>
-  </p:clrMapOvr>
-  <mc:AlternateContent xmlns:mc="http://schemas.openxmlformats.org/markup-compatibility/2006" xmlns:p14="http://schemas.microsoft.com/office/powerpoint/2010/main">
-    <mc:Choice Requires="p14">
-      <p:transition spd="slow" p14:dur="900">
-        <p14:warp dir="in"/>
-      </p:transition>
-    </mc:Choice>
-    <mc:Fallback xmlns="">
-      <p:transition spd="slow">
-        <p:fade/>
-      </p:transition>
-    </mc:Fallback>
-  </mc:AlternateContent>
+  <p:transition spd="med">
+    <p:pull/>
+  </p:transition>
   <p:timing>
     <p:tnLst>
       <p:par>
@@ -4069,7 +4009,2667 @@
                             </p:stCondLst>
                             <p:childTnLst>
                               <p:par>
-                                <p:cTn id="5" presetID="2" presetClass="entr" presetSubtype="4" fill="hold" nodeType="clickEffect">
+                                <p:cTn id="5" presetID="42" presetClass="entr" presetSubtype="0" fill="hold" grpId="0" nodeType="clickEffect">
+                                  <p:stCondLst>
+                                    <p:cond delay="0"/>
+                                  </p:stCondLst>
+                                  <p:childTnLst>
+                                    <p:set>
+                                      <p:cBhvr>
+                                        <p:cTn id="6" dur="1" fill="hold">
+                                          <p:stCondLst>
+                                            <p:cond delay="0"/>
+                                          </p:stCondLst>
+                                        </p:cTn>
+                                        <p:tgtEl>
+                                          <p:spTgt spid="3">
+                                            <p:txEl>
+                                              <p:pRg st="0" end="0"/>
+                                            </p:txEl>
+                                          </p:spTgt>
+                                        </p:tgtEl>
+                                        <p:attrNameLst>
+                                          <p:attrName>style.visibility</p:attrName>
+                                        </p:attrNameLst>
+                                      </p:cBhvr>
+                                      <p:to>
+                                        <p:strVal val="visible"/>
+                                      </p:to>
+                                    </p:set>
+                                    <p:animEffect transition="in" filter="fade">
+                                      <p:cBhvr>
+                                        <p:cTn id="7" dur="1000"/>
+                                        <p:tgtEl>
+                                          <p:spTgt spid="3">
+                                            <p:txEl>
+                                              <p:pRg st="0" end="0"/>
+                                            </p:txEl>
+                                          </p:spTgt>
+                                        </p:tgtEl>
+                                      </p:cBhvr>
+                                    </p:animEffect>
+                                    <p:anim calcmode="lin" valueType="num">
+                                      <p:cBhvr>
+                                        <p:cTn id="8" dur="1000" fill="hold"/>
+                                        <p:tgtEl>
+                                          <p:spTgt spid="3">
+                                            <p:txEl>
+                                              <p:pRg st="0" end="0"/>
+                                            </p:txEl>
+                                          </p:spTgt>
+                                        </p:tgtEl>
+                                        <p:attrNameLst>
+                                          <p:attrName>ppt_x</p:attrName>
+                                        </p:attrNameLst>
+                                      </p:cBhvr>
+                                      <p:tavLst>
+                                        <p:tav tm="0">
+                                          <p:val>
+                                            <p:strVal val="#ppt_x"/>
+                                          </p:val>
+                                        </p:tav>
+                                        <p:tav tm="100000">
+                                          <p:val>
+                                            <p:strVal val="#ppt_x"/>
+                                          </p:val>
+                                        </p:tav>
+                                      </p:tavLst>
+                                    </p:anim>
+                                    <p:anim calcmode="lin" valueType="num">
+                                      <p:cBhvr>
+                                        <p:cTn id="9" dur="1000" fill="hold"/>
+                                        <p:tgtEl>
+                                          <p:spTgt spid="3">
+                                            <p:txEl>
+                                              <p:pRg st="0" end="0"/>
+                                            </p:txEl>
+                                          </p:spTgt>
+                                        </p:tgtEl>
+                                        <p:attrNameLst>
+                                          <p:attrName>ppt_y</p:attrName>
+                                        </p:attrNameLst>
+                                      </p:cBhvr>
+                                      <p:tavLst>
+                                        <p:tav tm="0">
+                                          <p:val>
+                                            <p:strVal val="#ppt_y+.1"/>
+                                          </p:val>
+                                        </p:tav>
+                                        <p:tav tm="100000">
+                                          <p:val>
+                                            <p:strVal val="#ppt_y"/>
+                                          </p:val>
+                                        </p:tav>
+                                      </p:tavLst>
+                                    </p:anim>
+                                  </p:childTnLst>
+                                </p:cTn>
+                              </p:par>
+                            </p:childTnLst>
+                          </p:cTn>
+                        </p:par>
+                      </p:childTnLst>
+                    </p:cTn>
+                  </p:par>
+                  <p:par>
+                    <p:cTn id="10" fill="hold">
+                      <p:stCondLst>
+                        <p:cond delay="indefinite"/>
+                      </p:stCondLst>
+                      <p:childTnLst>
+                        <p:par>
+                          <p:cTn id="11" fill="hold">
+                            <p:stCondLst>
+                              <p:cond delay="0"/>
+                            </p:stCondLst>
+                            <p:childTnLst>
+                              <p:par>
+                                <p:cTn id="12" presetID="42" presetClass="entr" presetSubtype="0" fill="hold" grpId="0" nodeType="clickEffect">
+                                  <p:stCondLst>
+                                    <p:cond delay="0"/>
+                                  </p:stCondLst>
+                                  <p:childTnLst>
+                                    <p:set>
+                                      <p:cBhvr>
+                                        <p:cTn id="13" dur="1" fill="hold">
+                                          <p:stCondLst>
+                                            <p:cond delay="0"/>
+                                          </p:stCondLst>
+                                        </p:cTn>
+                                        <p:tgtEl>
+                                          <p:spTgt spid="3">
+                                            <p:txEl>
+                                              <p:pRg st="1" end="1"/>
+                                            </p:txEl>
+                                          </p:spTgt>
+                                        </p:tgtEl>
+                                        <p:attrNameLst>
+                                          <p:attrName>style.visibility</p:attrName>
+                                        </p:attrNameLst>
+                                      </p:cBhvr>
+                                      <p:to>
+                                        <p:strVal val="visible"/>
+                                      </p:to>
+                                    </p:set>
+                                    <p:animEffect transition="in" filter="fade">
+                                      <p:cBhvr>
+                                        <p:cTn id="14" dur="1000"/>
+                                        <p:tgtEl>
+                                          <p:spTgt spid="3">
+                                            <p:txEl>
+                                              <p:pRg st="1" end="1"/>
+                                            </p:txEl>
+                                          </p:spTgt>
+                                        </p:tgtEl>
+                                      </p:cBhvr>
+                                    </p:animEffect>
+                                    <p:anim calcmode="lin" valueType="num">
+                                      <p:cBhvr>
+                                        <p:cTn id="15" dur="1000" fill="hold"/>
+                                        <p:tgtEl>
+                                          <p:spTgt spid="3">
+                                            <p:txEl>
+                                              <p:pRg st="1" end="1"/>
+                                            </p:txEl>
+                                          </p:spTgt>
+                                        </p:tgtEl>
+                                        <p:attrNameLst>
+                                          <p:attrName>ppt_x</p:attrName>
+                                        </p:attrNameLst>
+                                      </p:cBhvr>
+                                      <p:tavLst>
+                                        <p:tav tm="0">
+                                          <p:val>
+                                            <p:strVal val="#ppt_x"/>
+                                          </p:val>
+                                        </p:tav>
+                                        <p:tav tm="100000">
+                                          <p:val>
+                                            <p:strVal val="#ppt_x"/>
+                                          </p:val>
+                                        </p:tav>
+                                      </p:tavLst>
+                                    </p:anim>
+                                    <p:anim calcmode="lin" valueType="num">
+                                      <p:cBhvr>
+                                        <p:cTn id="16" dur="1000" fill="hold"/>
+                                        <p:tgtEl>
+                                          <p:spTgt spid="3">
+                                            <p:txEl>
+                                              <p:pRg st="1" end="1"/>
+                                            </p:txEl>
+                                          </p:spTgt>
+                                        </p:tgtEl>
+                                        <p:attrNameLst>
+                                          <p:attrName>ppt_y</p:attrName>
+                                        </p:attrNameLst>
+                                      </p:cBhvr>
+                                      <p:tavLst>
+                                        <p:tav tm="0">
+                                          <p:val>
+                                            <p:strVal val="#ppt_y+.1"/>
+                                          </p:val>
+                                        </p:tav>
+                                        <p:tav tm="100000">
+                                          <p:val>
+                                            <p:strVal val="#ppt_y"/>
+                                          </p:val>
+                                        </p:tav>
+                                      </p:tavLst>
+                                    </p:anim>
+                                  </p:childTnLst>
+                                </p:cTn>
+                              </p:par>
+                            </p:childTnLst>
+                          </p:cTn>
+                        </p:par>
+                      </p:childTnLst>
+                    </p:cTn>
+                  </p:par>
+                  <p:par>
+                    <p:cTn id="17" fill="hold">
+                      <p:stCondLst>
+                        <p:cond delay="indefinite"/>
+                      </p:stCondLst>
+                      <p:childTnLst>
+                        <p:par>
+                          <p:cTn id="18" fill="hold">
+                            <p:stCondLst>
+                              <p:cond delay="0"/>
+                            </p:stCondLst>
+                            <p:childTnLst>
+                              <p:par>
+                                <p:cTn id="19" presetID="42" presetClass="entr" presetSubtype="0" fill="hold" grpId="0" nodeType="clickEffect">
+                                  <p:stCondLst>
+                                    <p:cond delay="0"/>
+                                  </p:stCondLst>
+                                  <p:childTnLst>
+                                    <p:set>
+                                      <p:cBhvr>
+                                        <p:cTn id="20" dur="1" fill="hold">
+                                          <p:stCondLst>
+                                            <p:cond delay="0"/>
+                                          </p:stCondLst>
+                                        </p:cTn>
+                                        <p:tgtEl>
+                                          <p:spTgt spid="3">
+                                            <p:txEl>
+                                              <p:pRg st="2" end="2"/>
+                                            </p:txEl>
+                                          </p:spTgt>
+                                        </p:tgtEl>
+                                        <p:attrNameLst>
+                                          <p:attrName>style.visibility</p:attrName>
+                                        </p:attrNameLst>
+                                      </p:cBhvr>
+                                      <p:to>
+                                        <p:strVal val="visible"/>
+                                      </p:to>
+                                    </p:set>
+                                    <p:animEffect transition="in" filter="fade">
+                                      <p:cBhvr>
+                                        <p:cTn id="21" dur="1000"/>
+                                        <p:tgtEl>
+                                          <p:spTgt spid="3">
+                                            <p:txEl>
+                                              <p:pRg st="2" end="2"/>
+                                            </p:txEl>
+                                          </p:spTgt>
+                                        </p:tgtEl>
+                                      </p:cBhvr>
+                                    </p:animEffect>
+                                    <p:anim calcmode="lin" valueType="num">
+                                      <p:cBhvr>
+                                        <p:cTn id="22" dur="1000" fill="hold"/>
+                                        <p:tgtEl>
+                                          <p:spTgt spid="3">
+                                            <p:txEl>
+                                              <p:pRg st="2" end="2"/>
+                                            </p:txEl>
+                                          </p:spTgt>
+                                        </p:tgtEl>
+                                        <p:attrNameLst>
+                                          <p:attrName>ppt_x</p:attrName>
+                                        </p:attrNameLst>
+                                      </p:cBhvr>
+                                      <p:tavLst>
+                                        <p:tav tm="0">
+                                          <p:val>
+                                            <p:strVal val="#ppt_x"/>
+                                          </p:val>
+                                        </p:tav>
+                                        <p:tav tm="100000">
+                                          <p:val>
+                                            <p:strVal val="#ppt_x"/>
+                                          </p:val>
+                                        </p:tav>
+                                      </p:tavLst>
+                                    </p:anim>
+                                    <p:anim calcmode="lin" valueType="num">
+                                      <p:cBhvr>
+                                        <p:cTn id="23" dur="1000" fill="hold"/>
+                                        <p:tgtEl>
+                                          <p:spTgt spid="3">
+                                            <p:txEl>
+                                              <p:pRg st="2" end="2"/>
+                                            </p:txEl>
+                                          </p:spTgt>
+                                        </p:tgtEl>
+                                        <p:attrNameLst>
+                                          <p:attrName>ppt_y</p:attrName>
+                                        </p:attrNameLst>
+                                      </p:cBhvr>
+                                      <p:tavLst>
+                                        <p:tav tm="0">
+                                          <p:val>
+                                            <p:strVal val="#ppt_y+.1"/>
+                                          </p:val>
+                                        </p:tav>
+                                        <p:tav tm="100000">
+                                          <p:val>
+                                            <p:strVal val="#ppt_y"/>
+                                          </p:val>
+                                        </p:tav>
+                                      </p:tavLst>
+                                    </p:anim>
+                                  </p:childTnLst>
+                                </p:cTn>
+                              </p:par>
+                            </p:childTnLst>
+                          </p:cTn>
+                        </p:par>
+                      </p:childTnLst>
+                    </p:cTn>
+                  </p:par>
+                </p:childTnLst>
+              </p:cTn>
+              <p:prevCondLst>
+                <p:cond evt="onPrev" delay="0">
+                  <p:tgtEl>
+                    <p:sldTgt/>
+                  </p:tgtEl>
+                </p:cond>
+              </p:prevCondLst>
+              <p:nextCondLst>
+                <p:cond evt="onNext" delay="0">
+                  <p:tgtEl>
+                    <p:sldTgt/>
+                  </p:tgtEl>
+                </p:cond>
+              </p:nextCondLst>
+            </p:seq>
+          </p:childTnLst>
+        </p:cTn>
+      </p:par>
+    </p:tnLst>
+    <p:bldLst>
+      <p:bldP spid="3" grpId="0" build="p"/>
+    </p:bldLst>
+  </p:timing>
+</p:sld>
+</file>
+
+<file path=ppt/slides/slide4.xml><?xml version="1.0" encoding="utf-8"?>
+<p:sld xmlns:a="http://schemas.openxmlformats.org/drawingml/2006/main" xmlns:r="http://schemas.openxmlformats.org/officeDocument/2006/relationships" xmlns:p="http://schemas.openxmlformats.org/presentationml/2006/main" showMasterSp="0">
+  <p:cSld>
+    <p:spTree>
+      <p:nvGrpSpPr>
+        <p:cNvPr id="1" name=""/>
+        <p:cNvGrpSpPr/>
+        <p:nvPr/>
+      </p:nvGrpSpPr>
+      <p:grpSpPr>
+        <a:xfrm>
+          <a:off x="0" y="0"/>
+          <a:ext cx="0" cy="0"/>
+          <a:chOff x="0" y="0"/>
+          <a:chExt cx="0" cy="0"/>
+        </a:xfrm>
+      </p:grpSpPr>
+      <p:sp>
+        <p:nvSpPr>
+          <p:cNvPr id="2" name="Заглавие 1"/>
+          <p:cNvSpPr>
+            <a:spLocks noGrp="1"/>
+          </p:cNvSpPr>
+          <p:nvPr>
+            <p:ph type="title"/>
+          </p:nvPr>
+        </p:nvSpPr>
+        <p:spPr/>
+        <p:txBody>
+          <a:bodyPr/>
+          <a:lstStyle/>
+          <a:p>
+            <a:r>
+              <a:rPr lang="en-US" sz="8800" dirty="0" smtClean="0">
+                <a:solidFill>
+                  <a:srgbClr val="5E0857"/>
+                </a:solidFill>
+                <a:latin typeface="Gabriola" panose="04040605051002020D02" pitchFamily="82" charset="0"/>
+              </a:rPr>
+              <a:t>What does it do?</a:t>
+            </a:r>
+            <a:endParaRPr lang="bg-BG" sz="8800" dirty="0">
+              <a:solidFill>
+                <a:srgbClr val="5E0857"/>
+              </a:solidFill>
+              <a:latin typeface="Gabriola" panose="04040605051002020D02" pitchFamily="82" charset="0"/>
+            </a:endParaRPr>
+          </a:p>
+        </p:txBody>
+      </p:sp>
+      <p:sp>
+        <p:nvSpPr>
+          <p:cNvPr id="3" name="Контейнер за съдържание 2"/>
+          <p:cNvSpPr>
+            <a:spLocks noGrp="1"/>
+          </p:cNvSpPr>
+          <p:nvPr>
+            <p:ph idx="1"/>
+          </p:nvPr>
+        </p:nvSpPr>
+        <p:spPr>
+          <a:xfrm>
+            <a:off x="457200" y="1770065"/>
+            <a:ext cx="8229600" cy="4032448"/>
+          </a:xfrm>
+        </p:spPr>
+        <p:txBody>
+          <a:bodyPr>
+            <a:normAutofit/>
+          </a:bodyPr>
+          <a:lstStyle/>
+          <a:p>
+            <a:r>
+              <a:rPr lang="en-US" sz="3600" dirty="0" smtClean="0">
+                <a:solidFill>
+                  <a:srgbClr val="7F3779"/>
+                </a:solidFill>
+                <a:latin typeface="Gabriola" panose="04040605051002020D02" pitchFamily="82" charset="0"/>
+              </a:rPr>
+              <a:t>It helps people to share photos.</a:t>
+            </a:r>
+          </a:p>
+          <a:p>
+            <a:r>
+              <a:rPr lang="en-US" sz="3600" dirty="0" smtClean="0">
+                <a:solidFill>
+                  <a:srgbClr val="7F3779"/>
+                </a:solidFill>
+                <a:latin typeface="Gabriola" panose="04040605051002020D02" pitchFamily="82" charset="0"/>
+              </a:rPr>
+              <a:t>It is great to explore new photos.</a:t>
+            </a:r>
+          </a:p>
+          <a:p>
+            <a:r>
+              <a:rPr lang="en-US" sz="3600" dirty="0" smtClean="0">
+                <a:solidFill>
+                  <a:srgbClr val="7F3779"/>
+                </a:solidFill>
+                <a:latin typeface="Gabriola" panose="04040605051002020D02" pitchFamily="82" charset="0"/>
+              </a:rPr>
+              <a:t>You can write comments for the posts you like.</a:t>
+            </a:r>
+          </a:p>
+          <a:p>
+            <a:r>
+              <a:rPr lang="en-US" sz="3600" dirty="0" smtClean="0">
+                <a:solidFill>
+                  <a:srgbClr val="7F3779"/>
+                </a:solidFill>
+                <a:latin typeface="Gabriola" panose="04040605051002020D02" pitchFamily="82" charset="0"/>
+              </a:rPr>
+              <a:t>You can like photos.</a:t>
+            </a:r>
+          </a:p>
+          <a:p>
+            <a:r>
+              <a:rPr lang="en-US" sz="3600" dirty="0" smtClean="0">
+                <a:solidFill>
+                  <a:srgbClr val="7F3779"/>
+                </a:solidFill>
+                <a:latin typeface="Gabriola" panose="04040605051002020D02" pitchFamily="82" charset="0"/>
+              </a:rPr>
+              <a:t>You can see posts from different categories.</a:t>
+            </a:r>
+          </a:p>
+          <a:p>
+            <a:r>
+              <a:rPr lang="en-US" sz="3600" dirty="0" smtClean="0">
+                <a:solidFill>
+                  <a:srgbClr val="7F3779"/>
+                </a:solidFill>
+                <a:latin typeface="Gabriola" panose="04040605051002020D02" pitchFamily="82" charset="0"/>
+              </a:rPr>
+              <a:t>You can see the 10 most liked posts from our page.</a:t>
+            </a:r>
+          </a:p>
+        </p:txBody>
+      </p:sp>
+      <p:pic>
+        <p:nvPicPr>
+          <p:cNvPr id="7" name="Picture 6" descr="D:\WIFRepo\WebContent\images\logo.png"/>
+          <p:cNvPicPr>
+            <a:picLocks noChangeAspect="1" noChangeArrowheads="1"/>
+          </p:cNvPicPr>
+          <p:nvPr/>
+        </p:nvPicPr>
+        <p:blipFill>
+          <a:blip r:embed="rId2">
+            <a:extLst>
+              <a:ext uri="{28A0092B-C50C-407E-A947-70E740481C1C}">
+                <a14:useLocalDpi xmlns:a14="http://schemas.microsoft.com/office/drawing/2010/main" val="0"/>
+              </a:ext>
+            </a:extLst>
+          </a:blip>
+          <a:srcRect/>
+          <a:stretch>
+            <a:fillRect/>
+          </a:stretch>
+        </p:blipFill>
+        <p:spPr bwMode="auto">
+          <a:xfrm>
+            <a:off x="7442402" y="5880094"/>
+            <a:ext cx="1689110" cy="977906"/>
+          </a:xfrm>
+          <a:prstGeom prst="rect">
+            <a:avLst/>
+          </a:prstGeom>
+          <a:noFill/>
+          <a:extLst>
+            <a:ext uri="{909E8E84-426E-40DD-AFC4-6F175D3DCCD1}">
+              <a14:hiddenFill xmlns:a14="http://schemas.microsoft.com/office/drawing/2010/main">
+                <a:solidFill>
+                  <a:srgbClr val="FFFFFF"/>
+                </a:solidFill>
+              </a14:hiddenFill>
+            </a:ext>
+          </a:extLst>
+        </p:spPr>
+      </p:pic>
+    </p:spTree>
+    <p:extLst>
+      <p:ext uri="{BB962C8B-B14F-4D97-AF65-F5344CB8AC3E}">
+        <p14:creationId xmlns:p14="http://schemas.microsoft.com/office/powerpoint/2010/main" val="4237826125"/>
+      </p:ext>
+    </p:extLst>
+  </p:cSld>
+  <p:clrMapOvr>
+    <a:masterClrMapping/>
+  </p:clrMapOvr>
+  <p:transition spd="med">
+    <p:pull/>
+  </p:transition>
+  <p:timing>
+    <p:tnLst>
+      <p:par>
+        <p:cTn id="1" dur="indefinite" restart="never" nodeType="tmRoot">
+          <p:childTnLst>
+            <p:seq concurrent="1" nextAc="seek">
+              <p:cTn id="2" dur="indefinite" nodeType="mainSeq">
+                <p:childTnLst>
+                  <p:par>
+                    <p:cTn id="3" fill="hold">
+                      <p:stCondLst>
+                        <p:cond delay="indefinite"/>
+                      </p:stCondLst>
+                      <p:childTnLst>
+                        <p:par>
+                          <p:cTn id="4" fill="hold">
+                            <p:stCondLst>
+                              <p:cond delay="0"/>
+                            </p:stCondLst>
+                            <p:childTnLst>
+                              <p:par>
+                                <p:cTn id="5" presetID="42" presetClass="entr" presetSubtype="0" fill="hold" grpId="0" nodeType="clickEffect">
+                                  <p:stCondLst>
+                                    <p:cond delay="0"/>
+                                  </p:stCondLst>
+                                  <p:childTnLst>
+                                    <p:set>
+                                      <p:cBhvr>
+                                        <p:cTn id="6" dur="1" fill="hold">
+                                          <p:stCondLst>
+                                            <p:cond delay="0"/>
+                                          </p:stCondLst>
+                                        </p:cTn>
+                                        <p:tgtEl>
+                                          <p:spTgt spid="3">
+                                            <p:txEl>
+                                              <p:pRg st="0" end="0"/>
+                                            </p:txEl>
+                                          </p:spTgt>
+                                        </p:tgtEl>
+                                        <p:attrNameLst>
+                                          <p:attrName>style.visibility</p:attrName>
+                                        </p:attrNameLst>
+                                      </p:cBhvr>
+                                      <p:to>
+                                        <p:strVal val="visible"/>
+                                      </p:to>
+                                    </p:set>
+                                    <p:animEffect transition="in" filter="fade">
+                                      <p:cBhvr>
+                                        <p:cTn id="7" dur="1000"/>
+                                        <p:tgtEl>
+                                          <p:spTgt spid="3">
+                                            <p:txEl>
+                                              <p:pRg st="0" end="0"/>
+                                            </p:txEl>
+                                          </p:spTgt>
+                                        </p:tgtEl>
+                                      </p:cBhvr>
+                                    </p:animEffect>
+                                    <p:anim calcmode="lin" valueType="num">
+                                      <p:cBhvr>
+                                        <p:cTn id="8" dur="1000" fill="hold"/>
+                                        <p:tgtEl>
+                                          <p:spTgt spid="3">
+                                            <p:txEl>
+                                              <p:pRg st="0" end="0"/>
+                                            </p:txEl>
+                                          </p:spTgt>
+                                        </p:tgtEl>
+                                        <p:attrNameLst>
+                                          <p:attrName>ppt_x</p:attrName>
+                                        </p:attrNameLst>
+                                      </p:cBhvr>
+                                      <p:tavLst>
+                                        <p:tav tm="0">
+                                          <p:val>
+                                            <p:strVal val="#ppt_x"/>
+                                          </p:val>
+                                        </p:tav>
+                                        <p:tav tm="100000">
+                                          <p:val>
+                                            <p:strVal val="#ppt_x"/>
+                                          </p:val>
+                                        </p:tav>
+                                      </p:tavLst>
+                                    </p:anim>
+                                    <p:anim calcmode="lin" valueType="num">
+                                      <p:cBhvr>
+                                        <p:cTn id="9" dur="1000" fill="hold"/>
+                                        <p:tgtEl>
+                                          <p:spTgt spid="3">
+                                            <p:txEl>
+                                              <p:pRg st="0" end="0"/>
+                                            </p:txEl>
+                                          </p:spTgt>
+                                        </p:tgtEl>
+                                        <p:attrNameLst>
+                                          <p:attrName>ppt_y</p:attrName>
+                                        </p:attrNameLst>
+                                      </p:cBhvr>
+                                      <p:tavLst>
+                                        <p:tav tm="0">
+                                          <p:val>
+                                            <p:strVal val="#ppt_y+.1"/>
+                                          </p:val>
+                                        </p:tav>
+                                        <p:tav tm="100000">
+                                          <p:val>
+                                            <p:strVal val="#ppt_y"/>
+                                          </p:val>
+                                        </p:tav>
+                                      </p:tavLst>
+                                    </p:anim>
+                                  </p:childTnLst>
+                                </p:cTn>
+                              </p:par>
+                            </p:childTnLst>
+                          </p:cTn>
+                        </p:par>
+                      </p:childTnLst>
+                    </p:cTn>
+                  </p:par>
+                  <p:par>
+                    <p:cTn id="10" fill="hold">
+                      <p:stCondLst>
+                        <p:cond delay="indefinite"/>
+                      </p:stCondLst>
+                      <p:childTnLst>
+                        <p:par>
+                          <p:cTn id="11" fill="hold">
+                            <p:stCondLst>
+                              <p:cond delay="0"/>
+                            </p:stCondLst>
+                            <p:childTnLst>
+                              <p:par>
+                                <p:cTn id="12" presetID="42" presetClass="entr" presetSubtype="0" fill="hold" grpId="0" nodeType="clickEffect">
+                                  <p:stCondLst>
+                                    <p:cond delay="0"/>
+                                  </p:stCondLst>
+                                  <p:childTnLst>
+                                    <p:set>
+                                      <p:cBhvr>
+                                        <p:cTn id="13" dur="1" fill="hold">
+                                          <p:stCondLst>
+                                            <p:cond delay="0"/>
+                                          </p:stCondLst>
+                                        </p:cTn>
+                                        <p:tgtEl>
+                                          <p:spTgt spid="3">
+                                            <p:txEl>
+                                              <p:pRg st="1" end="1"/>
+                                            </p:txEl>
+                                          </p:spTgt>
+                                        </p:tgtEl>
+                                        <p:attrNameLst>
+                                          <p:attrName>style.visibility</p:attrName>
+                                        </p:attrNameLst>
+                                      </p:cBhvr>
+                                      <p:to>
+                                        <p:strVal val="visible"/>
+                                      </p:to>
+                                    </p:set>
+                                    <p:animEffect transition="in" filter="fade">
+                                      <p:cBhvr>
+                                        <p:cTn id="14" dur="1000"/>
+                                        <p:tgtEl>
+                                          <p:spTgt spid="3">
+                                            <p:txEl>
+                                              <p:pRg st="1" end="1"/>
+                                            </p:txEl>
+                                          </p:spTgt>
+                                        </p:tgtEl>
+                                      </p:cBhvr>
+                                    </p:animEffect>
+                                    <p:anim calcmode="lin" valueType="num">
+                                      <p:cBhvr>
+                                        <p:cTn id="15" dur="1000" fill="hold"/>
+                                        <p:tgtEl>
+                                          <p:spTgt spid="3">
+                                            <p:txEl>
+                                              <p:pRg st="1" end="1"/>
+                                            </p:txEl>
+                                          </p:spTgt>
+                                        </p:tgtEl>
+                                        <p:attrNameLst>
+                                          <p:attrName>ppt_x</p:attrName>
+                                        </p:attrNameLst>
+                                      </p:cBhvr>
+                                      <p:tavLst>
+                                        <p:tav tm="0">
+                                          <p:val>
+                                            <p:strVal val="#ppt_x"/>
+                                          </p:val>
+                                        </p:tav>
+                                        <p:tav tm="100000">
+                                          <p:val>
+                                            <p:strVal val="#ppt_x"/>
+                                          </p:val>
+                                        </p:tav>
+                                      </p:tavLst>
+                                    </p:anim>
+                                    <p:anim calcmode="lin" valueType="num">
+                                      <p:cBhvr>
+                                        <p:cTn id="16" dur="1000" fill="hold"/>
+                                        <p:tgtEl>
+                                          <p:spTgt spid="3">
+                                            <p:txEl>
+                                              <p:pRg st="1" end="1"/>
+                                            </p:txEl>
+                                          </p:spTgt>
+                                        </p:tgtEl>
+                                        <p:attrNameLst>
+                                          <p:attrName>ppt_y</p:attrName>
+                                        </p:attrNameLst>
+                                      </p:cBhvr>
+                                      <p:tavLst>
+                                        <p:tav tm="0">
+                                          <p:val>
+                                            <p:strVal val="#ppt_y+.1"/>
+                                          </p:val>
+                                        </p:tav>
+                                        <p:tav tm="100000">
+                                          <p:val>
+                                            <p:strVal val="#ppt_y"/>
+                                          </p:val>
+                                        </p:tav>
+                                      </p:tavLst>
+                                    </p:anim>
+                                  </p:childTnLst>
+                                </p:cTn>
+                              </p:par>
+                            </p:childTnLst>
+                          </p:cTn>
+                        </p:par>
+                      </p:childTnLst>
+                    </p:cTn>
+                  </p:par>
+                  <p:par>
+                    <p:cTn id="17" fill="hold">
+                      <p:stCondLst>
+                        <p:cond delay="indefinite"/>
+                      </p:stCondLst>
+                      <p:childTnLst>
+                        <p:par>
+                          <p:cTn id="18" fill="hold">
+                            <p:stCondLst>
+                              <p:cond delay="0"/>
+                            </p:stCondLst>
+                            <p:childTnLst>
+                              <p:par>
+                                <p:cTn id="19" presetID="42" presetClass="entr" presetSubtype="0" fill="hold" grpId="0" nodeType="clickEffect">
+                                  <p:stCondLst>
+                                    <p:cond delay="0"/>
+                                  </p:stCondLst>
+                                  <p:childTnLst>
+                                    <p:set>
+                                      <p:cBhvr>
+                                        <p:cTn id="20" dur="1" fill="hold">
+                                          <p:stCondLst>
+                                            <p:cond delay="0"/>
+                                          </p:stCondLst>
+                                        </p:cTn>
+                                        <p:tgtEl>
+                                          <p:spTgt spid="3">
+                                            <p:txEl>
+                                              <p:pRg st="2" end="2"/>
+                                            </p:txEl>
+                                          </p:spTgt>
+                                        </p:tgtEl>
+                                        <p:attrNameLst>
+                                          <p:attrName>style.visibility</p:attrName>
+                                        </p:attrNameLst>
+                                      </p:cBhvr>
+                                      <p:to>
+                                        <p:strVal val="visible"/>
+                                      </p:to>
+                                    </p:set>
+                                    <p:animEffect transition="in" filter="fade">
+                                      <p:cBhvr>
+                                        <p:cTn id="21" dur="1000"/>
+                                        <p:tgtEl>
+                                          <p:spTgt spid="3">
+                                            <p:txEl>
+                                              <p:pRg st="2" end="2"/>
+                                            </p:txEl>
+                                          </p:spTgt>
+                                        </p:tgtEl>
+                                      </p:cBhvr>
+                                    </p:animEffect>
+                                    <p:anim calcmode="lin" valueType="num">
+                                      <p:cBhvr>
+                                        <p:cTn id="22" dur="1000" fill="hold"/>
+                                        <p:tgtEl>
+                                          <p:spTgt spid="3">
+                                            <p:txEl>
+                                              <p:pRg st="2" end="2"/>
+                                            </p:txEl>
+                                          </p:spTgt>
+                                        </p:tgtEl>
+                                        <p:attrNameLst>
+                                          <p:attrName>ppt_x</p:attrName>
+                                        </p:attrNameLst>
+                                      </p:cBhvr>
+                                      <p:tavLst>
+                                        <p:tav tm="0">
+                                          <p:val>
+                                            <p:strVal val="#ppt_x"/>
+                                          </p:val>
+                                        </p:tav>
+                                        <p:tav tm="100000">
+                                          <p:val>
+                                            <p:strVal val="#ppt_x"/>
+                                          </p:val>
+                                        </p:tav>
+                                      </p:tavLst>
+                                    </p:anim>
+                                    <p:anim calcmode="lin" valueType="num">
+                                      <p:cBhvr>
+                                        <p:cTn id="23" dur="1000" fill="hold"/>
+                                        <p:tgtEl>
+                                          <p:spTgt spid="3">
+                                            <p:txEl>
+                                              <p:pRg st="2" end="2"/>
+                                            </p:txEl>
+                                          </p:spTgt>
+                                        </p:tgtEl>
+                                        <p:attrNameLst>
+                                          <p:attrName>ppt_y</p:attrName>
+                                        </p:attrNameLst>
+                                      </p:cBhvr>
+                                      <p:tavLst>
+                                        <p:tav tm="0">
+                                          <p:val>
+                                            <p:strVal val="#ppt_y+.1"/>
+                                          </p:val>
+                                        </p:tav>
+                                        <p:tav tm="100000">
+                                          <p:val>
+                                            <p:strVal val="#ppt_y"/>
+                                          </p:val>
+                                        </p:tav>
+                                      </p:tavLst>
+                                    </p:anim>
+                                  </p:childTnLst>
+                                </p:cTn>
+                              </p:par>
+                            </p:childTnLst>
+                          </p:cTn>
+                        </p:par>
+                      </p:childTnLst>
+                    </p:cTn>
+                  </p:par>
+                  <p:par>
+                    <p:cTn id="24" fill="hold">
+                      <p:stCondLst>
+                        <p:cond delay="indefinite"/>
+                      </p:stCondLst>
+                      <p:childTnLst>
+                        <p:par>
+                          <p:cTn id="25" fill="hold">
+                            <p:stCondLst>
+                              <p:cond delay="0"/>
+                            </p:stCondLst>
+                            <p:childTnLst>
+                              <p:par>
+                                <p:cTn id="26" presetID="42" presetClass="entr" presetSubtype="0" fill="hold" grpId="0" nodeType="clickEffect">
+                                  <p:stCondLst>
+                                    <p:cond delay="0"/>
+                                  </p:stCondLst>
+                                  <p:childTnLst>
+                                    <p:set>
+                                      <p:cBhvr>
+                                        <p:cTn id="27" dur="1" fill="hold">
+                                          <p:stCondLst>
+                                            <p:cond delay="0"/>
+                                          </p:stCondLst>
+                                        </p:cTn>
+                                        <p:tgtEl>
+                                          <p:spTgt spid="3">
+                                            <p:txEl>
+                                              <p:pRg st="3" end="3"/>
+                                            </p:txEl>
+                                          </p:spTgt>
+                                        </p:tgtEl>
+                                        <p:attrNameLst>
+                                          <p:attrName>style.visibility</p:attrName>
+                                        </p:attrNameLst>
+                                      </p:cBhvr>
+                                      <p:to>
+                                        <p:strVal val="visible"/>
+                                      </p:to>
+                                    </p:set>
+                                    <p:animEffect transition="in" filter="fade">
+                                      <p:cBhvr>
+                                        <p:cTn id="28" dur="1000"/>
+                                        <p:tgtEl>
+                                          <p:spTgt spid="3">
+                                            <p:txEl>
+                                              <p:pRg st="3" end="3"/>
+                                            </p:txEl>
+                                          </p:spTgt>
+                                        </p:tgtEl>
+                                      </p:cBhvr>
+                                    </p:animEffect>
+                                    <p:anim calcmode="lin" valueType="num">
+                                      <p:cBhvr>
+                                        <p:cTn id="29" dur="1000" fill="hold"/>
+                                        <p:tgtEl>
+                                          <p:spTgt spid="3">
+                                            <p:txEl>
+                                              <p:pRg st="3" end="3"/>
+                                            </p:txEl>
+                                          </p:spTgt>
+                                        </p:tgtEl>
+                                        <p:attrNameLst>
+                                          <p:attrName>ppt_x</p:attrName>
+                                        </p:attrNameLst>
+                                      </p:cBhvr>
+                                      <p:tavLst>
+                                        <p:tav tm="0">
+                                          <p:val>
+                                            <p:strVal val="#ppt_x"/>
+                                          </p:val>
+                                        </p:tav>
+                                        <p:tav tm="100000">
+                                          <p:val>
+                                            <p:strVal val="#ppt_x"/>
+                                          </p:val>
+                                        </p:tav>
+                                      </p:tavLst>
+                                    </p:anim>
+                                    <p:anim calcmode="lin" valueType="num">
+                                      <p:cBhvr>
+                                        <p:cTn id="30" dur="1000" fill="hold"/>
+                                        <p:tgtEl>
+                                          <p:spTgt spid="3">
+                                            <p:txEl>
+                                              <p:pRg st="3" end="3"/>
+                                            </p:txEl>
+                                          </p:spTgt>
+                                        </p:tgtEl>
+                                        <p:attrNameLst>
+                                          <p:attrName>ppt_y</p:attrName>
+                                        </p:attrNameLst>
+                                      </p:cBhvr>
+                                      <p:tavLst>
+                                        <p:tav tm="0">
+                                          <p:val>
+                                            <p:strVal val="#ppt_y+.1"/>
+                                          </p:val>
+                                        </p:tav>
+                                        <p:tav tm="100000">
+                                          <p:val>
+                                            <p:strVal val="#ppt_y"/>
+                                          </p:val>
+                                        </p:tav>
+                                      </p:tavLst>
+                                    </p:anim>
+                                  </p:childTnLst>
+                                </p:cTn>
+                              </p:par>
+                            </p:childTnLst>
+                          </p:cTn>
+                        </p:par>
+                      </p:childTnLst>
+                    </p:cTn>
+                  </p:par>
+                  <p:par>
+                    <p:cTn id="31" fill="hold">
+                      <p:stCondLst>
+                        <p:cond delay="indefinite"/>
+                      </p:stCondLst>
+                      <p:childTnLst>
+                        <p:par>
+                          <p:cTn id="32" fill="hold">
+                            <p:stCondLst>
+                              <p:cond delay="0"/>
+                            </p:stCondLst>
+                            <p:childTnLst>
+                              <p:par>
+                                <p:cTn id="33" presetID="42" presetClass="entr" presetSubtype="0" fill="hold" grpId="0" nodeType="clickEffect">
+                                  <p:stCondLst>
+                                    <p:cond delay="0"/>
+                                  </p:stCondLst>
+                                  <p:childTnLst>
+                                    <p:set>
+                                      <p:cBhvr>
+                                        <p:cTn id="34" dur="1" fill="hold">
+                                          <p:stCondLst>
+                                            <p:cond delay="0"/>
+                                          </p:stCondLst>
+                                        </p:cTn>
+                                        <p:tgtEl>
+                                          <p:spTgt spid="3">
+                                            <p:txEl>
+                                              <p:pRg st="4" end="4"/>
+                                            </p:txEl>
+                                          </p:spTgt>
+                                        </p:tgtEl>
+                                        <p:attrNameLst>
+                                          <p:attrName>style.visibility</p:attrName>
+                                        </p:attrNameLst>
+                                      </p:cBhvr>
+                                      <p:to>
+                                        <p:strVal val="visible"/>
+                                      </p:to>
+                                    </p:set>
+                                    <p:animEffect transition="in" filter="fade">
+                                      <p:cBhvr>
+                                        <p:cTn id="35" dur="1000"/>
+                                        <p:tgtEl>
+                                          <p:spTgt spid="3">
+                                            <p:txEl>
+                                              <p:pRg st="4" end="4"/>
+                                            </p:txEl>
+                                          </p:spTgt>
+                                        </p:tgtEl>
+                                      </p:cBhvr>
+                                    </p:animEffect>
+                                    <p:anim calcmode="lin" valueType="num">
+                                      <p:cBhvr>
+                                        <p:cTn id="36" dur="1000" fill="hold"/>
+                                        <p:tgtEl>
+                                          <p:spTgt spid="3">
+                                            <p:txEl>
+                                              <p:pRg st="4" end="4"/>
+                                            </p:txEl>
+                                          </p:spTgt>
+                                        </p:tgtEl>
+                                        <p:attrNameLst>
+                                          <p:attrName>ppt_x</p:attrName>
+                                        </p:attrNameLst>
+                                      </p:cBhvr>
+                                      <p:tavLst>
+                                        <p:tav tm="0">
+                                          <p:val>
+                                            <p:strVal val="#ppt_x"/>
+                                          </p:val>
+                                        </p:tav>
+                                        <p:tav tm="100000">
+                                          <p:val>
+                                            <p:strVal val="#ppt_x"/>
+                                          </p:val>
+                                        </p:tav>
+                                      </p:tavLst>
+                                    </p:anim>
+                                    <p:anim calcmode="lin" valueType="num">
+                                      <p:cBhvr>
+                                        <p:cTn id="37" dur="1000" fill="hold"/>
+                                        <p:tgtEl>
+                                          <p:spTgt spid="3">
+                                            <p:txEl>
+                                              <p:pRg st="4" end="4"/>
+                                            </p:txEl>
+                                          </p:spTgt>
+                                        </p:tgtEl>
+                                        <p:attrNameLst>
+                                          <p:attrName>ppt_y</p:attrName>
+                                        </p:attrNameLst>
+                                      </p:cBhvr>
+                                      <p:tavLst>
+                                        <p:tav tm="0">
+                                          <p:val>
+                                            <p:strVal val="#ppt_y+.1"/>
+                                          </p:val>
+                                        </p:tav>
+                                        <p:tav tm="100000">
+                                          <p:val>
+                                            <p:strVal val="#ppt_y"/>
+                                          </p:val>
+                                        </p:tav>
+                                      </p:tavLst>
+                                    </p:anim>
+                                  </p:childTnLst>
+                                </p:cTn>
+                              </p:par>
+                            </p:childTnLst>
+                          </p:cTn>
+                        </p:par>
+                      </p:childTnLst>
+                    </p:cTn>
+                  </p:par>
+                  <p:par>
+                    <p:cTn id="38" fill="hold">
+                      <p:stCondLst>
+                        <p:cond delay="indefinite"/>
+                      </p:stCondLst>
+                      <p:childTnLst>
+                        <p:par>
+                          <p:cTn id="39" fill="hold">
+                            <p:stCondLst>
+                              <p:cond delay="0"/>
+                            </p:stCondLst>
+                            <p:childTnLst>
+                              <p:par>
+                                <p:cTn id="40" presetID="42" presetClass="entr" presetSubtype="0" fill="hold" grpId="0" nodeType="clickEffect">
+                                  <p:stCondLst>
+                                    <p:cond delay="0"/>
+                                  </p:stCondLst>
+                                  <p:childTnLst>
+                                    <p:set>
+                                      <p:cBhvr>
+                                        <p:cTn id="41" dur="1" fill="hold">
+                                          <p:stCondLst>
+                                            <p:cond delay="0"/>
+                                          </p:stCondLst>
+                                        </p:cTn>
+                                        <p:tgtEl>
+                                          <p:spTgt spid="3">
+                                            <p:txEl>
+                                              <p:pRg st="5" end="5"/>
+                                            </p:txEl>
+                                          </p:spTgt>
+                                        </p:tgtEl>
+                                        <p:attrNameLst>
+                                          <p:attrName>style.visibility</p:attrName>
+                                        </p:attrNameLst>
+                                      </p:cBhvr>
+                                      <p:to>
+                                        <p:strVal val="visible"/>
+                                      </p:to>
+                                    </p:set>
+                                    <p:animEffect transition="in" filter="fade">
+                                      <p:cBhvr>
+                                        <p:cTn id="42" dur="1000"/>
+                                        <p:tgtEl>
+                                          <p:spTgt spid="3">
+                                            <p:txEl>
+                                              <p:pRg st="5" end="5"/>
+                                            </p:txEl>
+                                          </p:spTgt>
+                                        </p:tgtEl>
+                                      </p:cBhvr>
+                                    </p:animEffect>
+                                    <p:anim calcmode="lin" valueType="num">
+                                      <p:cBhvr>
+                                        <p:cTn id="43" dur="1000" fill="hold"/>
+                                        <p:tgtEl>
+                                          <p:spTgt spid="3">
+                                            <p:txEl>
+                                              <p:pRg st="5" end="5"/>
+                                            </p:txEl>
+                                          </p:spTgt>
+                                        </p:tgtEl>
+                                        <p:attrNameLst>
+                                          <p:attrName>ppt_x</p:attrName>
+                                        </p:attrNameLst>
+                                      </p:cBhvr>
+                                      <p:tavLst>
+                                        <p:tav tm="0">
+                                          <p:val>
+                                            <p:strVal val="#ppt_x"/>
+                                          </p:val>
+                                        </p:tav>
+                                        <p:tav tm="100000">
+                                          <p:val>
+                                            <p:strVal val="#ppt_x"/>
+                                          </p:val>
+                                        </p:tav>
+                                      </p:tavLst>
+                                    </p:anim>
+                                    <p:anim calcmode="lin" valueType="num">
+                                      <p:cBhvr>
+                                        <p:cTn id="44" dur="1000" fill="hold"/>
+                                        <p:tgtEl>
+                                          <p:spTgt spid="3">
+                                            <p:txEl>
+                                              <p:pRg st="5" end="5"/>
+                                            </p:txEl>
+                                          </p:spTgt>
+                                        </p:tgtEl>
+                                        <p:attrNameLst>
+                                          <p:attrName>ppt_y</p:attrName>
+                                        </p:attrNameLst>
+                                      </p:cBhvr>
+                                      <p:tavLst>
+                                        <p:tav tm="0">
+                                          <p:val>
+                                            <p:strVal val="#ppt_y+.1"/>
+                                          </p:val>
+                                        </p:tav>
+                                        <p:tav tm="100000">
+                                          <p:val>
+                                            <p:strVal val="#ppt_y"/>
+                                          </p:val>
+                                        </p:tav>
+                                      </p:tavLst>
+                                    </p:anim>
+                                  </p:childTnLst>
+                                </p:cTn>
+                              </p:par>
+                            </p:childTnLst>
+                          </p:cTn>
+                        </p:par>
+                      </p:childTnLst>
+                    </p:cTn>
+                  </p:par>
+                </p:childTnLst>
+              </p:cTn>
+              <p:prevCondLst>
+                <p:cond evt="onPrev" delay="0">
+                  <p:tgtEl>
+                    <p:sldTgt/>
+                  </p:tgtEl>
+                </p:cond>
+              </p:prevCondLst>
+              <p:nextCondLst>
+                <p:cond evt="onNext" delay="0">
+                  <p:tgtEl>
+                    <p:sldTgt/>
+                  </p:tgtEl>
+                </p:cond>
+              </p:nextCondLst>
+            </p:seq>
+          </p:childTnLst>
+        </p:cTn>
+      </p:par>
+    </p:tnLst>
+    <p:bldLst>
+      <p:bldP spid="3" grpId="0" build="p"/>
+    </p:bldLst>
+  </p:timing>
+</p:sld>
+</file>
+
+<file path=ppt/slides/slide5.xml><?xml version="1.0" encoding="utf-8"?>
+<p:sld xmlns:a="http://schemas.openxmlformats.org/drawingml/2006/main" xmlns:r="http://schemas.openxmlformats.org/officeDocument/2006/relationships" xmlns:p="http://schemas.openxmlformats.org/presentationml/2006/main" showMasterSp="0">
+  <p:cSld>
+    <p:spTree>
+      <p:nvGrpSpPr>
+        <p:cNvPr id="1" name=""/>
+        <p:cNvGrpSpPr/>
+        <p:nvPr/>
+      </p:nvGrpSpPr>
+      <p:grpSpPr>
+        <a:xfrm>
+          <a:off x="0" y="0"/>
+          <a:ext cx="0" cy="0"/>
+          <a:chOff x="0" y="0"/>
+          <a:chExt cx="0" cy="0"/>
+        </a:xfrm>
+      </p:grpSpPr>
+      <p:sp>
+        <p:nvSpPr>
+          <p:cNvPr id="2" name="Заглавие 1"/>
+          <p:cNvSpPr>
+            <a:spLocks noGrp="1"/>
+          </p:cNvSpPr>
+          <p:nvPr>
+            <p:ph type="title"/>
+          </p:nvPr>
+        </p:nvSpPr>
+        <p:spPr>
+          <a:xfrm>
+            <a:off x="466465" y="548680"/>
+            <a:ext cx="8229600" cy="1656184"/>
+          </a:xfrm>
+        </p:spPr>
+        <p:txBody>
+          <a:bodyPr/>
+          <a:lstStyle/>
+          <a:p>
+            <a:r>
+              <a:rPr lang="en-US" sz="8800" dirty="0" smtClean="0">
+                <a:solidFill>
+                  <a:srgbClr val="5E0857"/>
+                </a:solidFill>
+                <a:latin typeface="Gabriola" panose="04040605051002020D02" pitchFamily="82" charset="0"/>
+              </a:rPr>
+              <a:t>What technologies does it use?</a:t>
+            </a:r>
+            <a:endParaRPr lang="bg-BG" sz="8800" dirty="0">
+              <a:solidFill>
+                <a:srgbClr val="5E0857"/>
+              </a:solidFill>
+              <a:latin typeface="Gabriola" panose="04040605051002020D02" pitchFamily="82" charset="0"/>
+            </a:endParaRPr>
+          </a:p>
+        </p:txBody>
+      </p:sp>
+      <p:sp>
+        <p:nvSpPr>
+          <p:cNvPr id="3" name="Контейнер за съдържание 2"/>
+          <p:cNvSpPr>
+            <a:spLocks noGrp="1"/>
+          </p:cNvSpPr>
+          <p:nvPr>
+            <p:ph idx="1"/>
+          </p:nvPr>
+        </p:nvSpPr>
+        <p:spPr>
+          <a:xfrm>
+            <a:off x="1643389" y="2204864"/>
+            <a:ext cx="3072627" cy="4248472"/>
+          </a:xfrm>
+        </p:spPr>
+        <p:txBody>
+          <a:bodyPr>
+            <a:normAutofit/>
+          </a:bodyPr>
+          <a:lstStyle/>
+          <a:p>
+            <a:pPr marL="0" indent="0">
+              <a:buNone/>
+            </a:pPr>
+            <a:r>
+              <a:rPr lang="en-US" sz="2800" b="1" dirty="0" smtClean="0">
+                <a:solidFill>
+                  <a:srgbClr val="5E0857"/>
+                </a:solidFill>
+                <a:latin typeface="Gabriola" panose="04040605051002020D02" pitchFamily="82" charset="0"/>
+              </a:rPr>
+              <a:t>Database : </a:t>
+            </a:r>
+            <a:endParaRPr lang="en-US" sz="2800" b="1" dirty="0">
+              <a:solidFill>
+                <a:srgbClr val="5E0857"/>
+              </a:solidFill>
+              <a:latin typeface="Gabriola" panose="04040605051002020D02" pitchFamily="82" charset="0"/>
+            </a:endParaRPr>
+          </a:p>
+          <a:p>
+            <a:r>
+              <a:rPr lang="en-US" sz="2800" dirty="0" smtClean="0">
+                <a:solidFill>
+                  <a:srgbClr val="7F3779"/>
+                </a:solidFill>
+                <a:latin typeface="Gabriola" panose="04040605051002020D02" pitchFamily="82" charset="0"/>
+              </a:rPr>
+              <a:t>MySQL</a:t>
+            </a:r>
+          </a:p>
+          <a:p>
+            <a:pPr marL="0" indent="0">
+              <a:buNone/>
+            </a:pPr>
+            <a:endParaRPr lang="en-US" sz="2800" dirty="0" smtClean="0">
+              <a:solidFill>
+                <a:srgbClr val="7F3779"/>
+              </a:solidFill>
+              <a:latin typeface="Gabriola" panose="04040605051002020D02" pitchFamily="82" charset="0"/>
+            </a:endParaRPr>
+          </a:p>
+          <a:p>
+            <a:pPr marL="0" indent="0">
+              <a:buNone/>
+            </a:pPr>
+            <a:r>
+              <a:rPr lang="en-US" sz="2800" b="1" dirty="0" smtClean="0">
+                <a:solidFill>
+                  <a:srgbClr val="5E0857"/>
+                </a:solidFill>
+                <a:latin typeface="Gabriola" panose="04040605051002020D02" pitchFamily="82" charset="0"/>
+              </a:rPr>
+              <a:t>Database connection to Java code:</a:t>
+            </a:r>
+          </a:p>
+          <a:p>
+            <a:r>
+              <a:rPr lang="en-US" sz="2800" dirty="0" smtClean="0">
+                <a:solidFill>
+                  <a:srgbClr val="7F3779"/>
+                </a:solidFill>
+                <a:latin typeface="Gabriola" panose="04040605051002020D02" pitchFamily="82" charset="0"/>
+              </a:rPr>
+              <a:t> JDBC</a:t>
+            </a:r>
+          </a:p>
+          <a:p>
+            <a:pPr marL="0" indent="0">
+              <a:buNone/>
+            </a:pPr>
+            <a:endParaRPr lang="en-US" sz="2800" dirty="0" smtClean="0">
+              <a:solidFill>
+                <a:srgbClr val="7F3779"/>
+              </a:solidFill>
+              <a:latin typeface="Gabriola" panose="04040605051002020D02" pitchFamily="82" charset="0"/>
+            </a:endParaRPr>
+          </a:p>
+          <a:p>
+            <a:pPr marL="0" indent="0">
+              <a:buNone/>
+            </a:pPr>
+            <a:endParaRPr lang="en-US" dirty="0"/>
+          </a:p>
+          <a:p>
+            <a:pPr marL="0" indent="0">
+              <a:buNone/>
+            </a:pPr>
+            <a:endParaRPr lang="en-US" dirty="0" smtClean="0"/>
+          </a:p>
+          <a:p>
+            <a:pPr marL="0" indent="0">
+              <a:buNone/>
+            </a:pPr>
+            <a:endParaRPr lang="en-US" dirty="0" smtClean="0"/>
+          </a:p>
+          <a:p>
+            <a:pPr marL="0" indent="0">
+              <a:buNone/>
+            </a:pPr>
+            <a:endParaRPr lang="en-US" dirty="0" smtClean="0"/>
+          </a:p>
+          <a:p>
+            <a:endParaRPr lang="bg-BG" dirty="0"/>
+          </a:p>
+        </p:txBody>
+      </p:sp>
+      <p:pic>
+        <p:nvPicPr>
+          <p:cNvPr id="7" name="Picture 6" descr="D:\WIFRepo\WebContent\images\logo.png"/>
+          <p:cNvPicPr>
+            <a:picLocks noChangeAspect="1" noChangeArrowheads="1"/>
+          </p:cNvPicPr>
+          <p:nvPr/>
+        </p:nvPicPr>
+        <p:blipFill>
+          <a:blip r:embed="rId2">
+            <a:extLst>
+              <a:ext uri="{28A0092B-C50C-407E-A947-70E740481C1C}">
+                <a14:useLocalDpi xmlns:a14="http://schemas.microsoft.com/office/drawing/2010/main" val="0"/>
+              </a:ext>
+            </a:extLst>
+          </a:blip>
+          <a:srcRect/>
+          <a:stretch>
+            <a:fillRect/>
+          </a:stretch>
+        </p:blipFill>
+        <p:spPr bwMode="auto">
+          <a:xfrm>
+            <a:off x="7442402" y="5880094"/>
+            <a:ext cx="1689110" cy="977906"/>
+          </a:xfrm>
+          <a:prstGeom prst="rect">
+            <a:avLst/>
+          </a:prstGeom>
+          <a:noFill/>
+          <a:extLst>
+            <a:ext uri="{909E8E84-426E-40DD-AFC4-6F175D3DCCD1}">
+              <a14:hiddenFill xmlns:a14="http://schemas.microsoft.com/office/drawing/2010/main">
+                <a:solidFill>
+                  <a:srgbClr val="FFFFFF"/>
+                </a:solidFill>
+              </a14:hiddenFill>
+            </a:ext>
+          </a:extLst>
+        </p:spPr>
+      </p:pic>
+      <p:sp>
+        <p:nvSpPr>
+          <p:cNvPr id="8" name="Контейнер за съдържание 2"/>
+          <p:cNvSpPr txBox="1">
+            <a:spLocks/>
+          </p:cNvSpPr>
+          <p:nvPr/>
+        </p:nvSpPr>
+        <p:spPr>
+          <a:xfrm>
+            <a:off x="4730182" y="2420888"/>
+            <a:ext cx="3072627" cy="4248472"/>
+          </a:xfrm>
+          <a:prstGeom prst="rect">
+            <a:avLst/>
+          </a:prstGeom>
+        </p:spPr>
+        <p:txBody>
+          <a:bodyPr vert="horz" lIns="91440" tIns="45720" rIns="91440" bIns="45720" rtlCol="0">
+            <a:normAutofit/>
+          </a:bodyPr>
+          <a:lstStyle>
+            <a:lvl1pPr marL="342900" indent="-342900" algn="l" defTabSz="914400" rtl="0" eaLnBrk="1" latinLnBrk="0" hangingPunct="1">
+              <a:spcBef>
+                <a:spcPct val="20000"/>
+              </a:spcBef>
+              <a:buFont typeface="Arial" pitchFamily="34" charset="0"/>
+              <a:buChar char="•"/>
+              <a:defRPr sz="2400" kern="1200">
+                <a:solidFill>
+                  <a:schemeClr val="tx1">
+                    <a:lumMod val="50000"/>
+                    <a:lumOff val="50000"/>
+                  </a:schemeClr>
+                </a:solidFill>
+                <a:latin typeface="+mj-lt"/>
+                <a:ea typeface="+mn-ea"/>
+                <a:cs typeface="+mn-cs"/>
+              </a:defRPr>
+            </a:lvl1pPr>
+            <a:lvl2pPr marL="742950" indent="-285750" algn="l" defTabSz="914400" rtl="0" eaLnBrk="1" latinLnBrk="0" hangingPunct="1">
+              <a:spcBef>
+                <a:spcPct val="20000"/>
+              </a:spcBef>
+              <a:buFont typeface="Courier New" pitchFamily="49" charset="0"/>
+              <a:buChar char="o"/>
+              <a:defRPr sz="1600" kern="1200">
+                <a:solidFill>
+                  <a:schemeClr val="tx1">
+                    <a:lumMod val="50000"/>
+                    <a:lumOff val="50000"/>
+                  </a:schemeClr>
+                </a:solidFill>
+                <a:latin typeface="+mj-lt"/>
+                <a:ea typeface="+mn-ea"/>
+                <a:cs typeface="+mn-cs"/>
+              </a:defRPr>
+            </a:lvl2pPr>
+            <a:lvl3pPr marL="1143000" indent="-228600" algn="l" defTabSz="914400" rtl="0" eaLnBrk="1" latinLnBrk="0" hangingPunct="1">
+              <a:spcBef>
+                <a:spcPct val="20000"/>
+              </a:spcBef>
+              <a:buFont typeface="Arial" pitchFamily="34" charset="0"/>
+              <a:buChar char="•"/>
+              <a:defRPr sz="1600" kern="1200">
+                <a:solidFill>
+                  <a:schemeClr val="tx1">
+                    <a:lumMod val="50000"/>
+                    <a:lumOff val="50000"/>
+                  </a:schemeClr>
+                </a:solidFill>
+                <a:latin typeface="+mj-lt"/>
+                <a:ea typeface="+mn-ea"/>
+                <a:cs typeface="+mn-cs"/>
+              </a:defRPr>
+            </a:lvl3pPr>
+            <a:lvl4pPr marL="1600200" indent="-228600" algn="l" defTabSz="914400" rtl="0" eaLnBrk="1" latinLnBrk="0" hangingPunct="1">
+              <a:spcBef>
+                <a:spcPct val="20000"/>
+              </a:spcBef>
+              <a:buFont typeface="Courier New" pitchFamily="49" charset="0"/>
+              <a:buChar char="o"/>
+              <a:defRPr sz="1600" kern="1200">
+                <a:solidFill>
+                  <a:schemeClr val="tx1">
+                    <a:lumMod val="50000"/>
+                    <a:lumOff val="50000"/>
+                  </a:schemeClr>
+                </a:solidFill>
+                <a:latin typeface="+mj-lt"/>
+                <a:ea typeface="+mn-ea"/>
+                <a:cs typeface="+mn-cs"/>
+              </a:defRPr>
+            </a:lvl4pPr>
+            <a:lvl5pPr marL="2057400" indent="-228600" algn="l" defTabSz="914400" rtl="0" eaLnBrk="1" latinLnBrk="0" hangingPunct="1">
+              <a:spcBef>
+                <a:spcPct val="20000"/>
+              </a:spcBef>
+              <a:buFont typeface="Arial" pitchFamily="34" charset="0"/>
+              <a:buChar char="•"/>
+              <a:defRPr sz="1600" kern="1200">
+                <a:solidFill>
+                  <a:schemeClr val="tx1">
+                    <a:lumMod val="50000"/>
+                    <a:lumOff val="50000"/>
+                  </a:schemeClr>
+                </a:solidFill>
+                <a:latin typeface="+mj-lt"/>
+                <a:ea typeface="+mn-ea"/>
+                <a:cs typeface="+mn-cs"/>
+              </a:defRPr>
+            </a:lvl5pPr>
+            <a:lvl6pPr marL="2514600" indent="-228600" algn="l" defTabSz="914400" rtl="0" eaLnBrk="1" latinLnBrk="0" hangingPunct="1">
+              <a:spcBef>
+                <a:spcPct val="20000"/>
+              </a:spcBef>
+              <a:buFont typeface="Courier New" pitchFamily="49" charset="0"/>
+              <a:buChar char="o"/>
+              <a:defRPr sz="1600" kern="1200">
+                <a:solidFill>
+                  <a:schemeClr val="tx1">
+                    <a:lumMod val="50000"/>
+                    <a:lumOff val="50000"/>
+                  </a:schemeClr>
+                </a:solidFill>
+                <a:latin typeface="+mj-lt"/>
+                <a:ea typeface="+mn-ea"/>
+                <a:cs typeface="+mn-cs"/>
+              </a:defRPr>
+            </a:lvl6pPr>
+            <a:lvl7pPr marL="2971800" indent="-228600" algn="l" defTabSz="914400" rtl="0" eaLnBrk="1" latinLnBrk="0" hangingPunct="1">
+              <a:spcBef>
+                <a:spcPct val="20000"/>
+              </a:spcBef>
+              <a:buFont typeface="Arial" pitchFamily="34" charset="0"/>
+              <a:buChar char="•"/>
+              <a:defRPr sz="1600" kern="1200">
+                <a:solidFill>
+                  <a:schemeClr val="tx1">
+                    <a:lumMod val="50000"/>
+                    <a:lumOff val="50000"/>
+                  </a:schemeClr>
+                </a:solidFill>
+                <a:latin typeface="+mj-lt"/>
+                <a:ea typeface="+mn-ea"/>
+                <a:cs typeface="+mn-cs"/>
+              </a:defRPr>
+            </a:lvl7pPr>
+            <a:lvl8pPr marL="3429000" indent="-228600" algn="l" defTabSz="914400" rtl="0" eaLnBrk="1" latinLnBrk="0" hangingPunct="1">
+              <a:spcBef>
+                <a:spcPct val="20000"/>
+              </a:spcBef>
+              <a:buFont typeface="Courier New" pitchFamily="49" charset="0"/>
+              <a:buChar char="o"/>
+              <a:defRPr sz="1600" kern="1200">
+                <a:solidFill>
+                  <a:schemeClr val="tx1">
+                    <a:lumMod val="50000"/>
+                    <a:lumOff val="50000"/>
+                  </a:schemeClr>
+                </a:solidFill>
+                <a:latin typeface="+mj-lt"/>
+                <a:ea typeface="+mn-ea"/>
+                <a:cs typeface="+mn-cs"/>
+              </a:defRPr>
+            </a:lvl8pPr>
+            <a:lvl9pPr marL="3886200" indent="-228600" algn="l" defTabSz="914400" rtl="0" eaLnBrk="1" latinLnBrk="0" hangingPunct="1">
+              <a:spcBef>
+                <a:spcPct val="20000"/>
+              </a:spcBef>
+              <a:buFont typeface="Arial" pitchFamily="34" charset="0"/>
+              <a:buChar char="•"/>
+              <a:defRPr sz="1600" kern="1200">
+                <a:solidFill>
+                  <a:schemeClr val="tx1">
+                    <a:lumMod val="50000"/>
+                    <a:lumOff val="50000"/>
+                  </a:schemeClr>
+                </a:solidFill>
+                <a:latin typeface="+mj-lt"/>
+                <a:ea typeface="+mn-ea"/>
+                <a:cs typeface="+mn-cs"/>
+              </a:defRPr>
+            </a:lvl9pPr>
+          </a:lstStyle>
+          <a:p>
+            <a:pPr marL="0" indent="0">
+              <a:buFont typeface="Arial" pitchFamily="34" charset="0"/>
+              <a:buNone/>
+            </a:pPr>
+            <a:r>
+              <a:rPr lang="en-US" sz="2800" b="1" dirty="0" smtClean="0">
+                <a:solidFill>
+                  <a:srgbClr val="5E0857"/>
+                </a:solidFill>
+                <a:latin typeface="Gabriola" panose="04040605051002020D02" pitchFamily="82" charset="0"/>
+              </a:rPr>
+              <a:t>Java EE specific: </a:t>
+            </a:r>
+          </a:p>
+          <a:p>
+            <a:r>
+              <a:rPr lang="en-US" sz="2800" dirty="0" smtClean="0">
+                <a:solidFill>
+                  <a:srgbClr val="7F3779"/>
+                </a:solidFill>
+                <a:latin typeface="Gabriola" panose="04040605051002020D02" pitchFamily="82" charset="0"/>
+              </a:rPr>
+              <a:t>Servlets</a:t>
+            </a:r>
+          </a:p>
+          <a:p>
+            <a:r>
+              <a:rPr lang="en-US" sz="2800" dirty="0" smtClean="0">
+                <a:solidFill>
+                  <a:srgbClr val="7F3779"/>
+                </a:solidFill>
+                <a:latin typeface="Gabriola" panose="04040605051002020D02" pitchFamily="82" charset="0"/>
+              </a:rPr>
+              <a:t>JSP</a:t>
+            </a:r>
+          </a:p>
+          <a:p>
+            <a:r>
+              <a:rPr lang="en-US" sz="2800" dirty="0" smtClean="0">
+                <a:solidFill>
+                  <a:srgbClr val="7F3779"/>
+                </a:solidFill>
+                <a:latin typeface="Gabriola" panose="04040605051002020D02" pitchFamily="82" charset="0"/>
+              </a:rPr>
+              <a:t>HTML</a:t>
+            </a:r>
+          </a:p>
+          <a:p>
+            <a:r>
+              <a:rPr lang="en-US" sz="2800" dirty="0" smtClean="0">
+                <a:solidFill>
+                  <a:srgbClr val="7F3779"/>
+                </a:solidFill>
+                <a:latin typeface="Gabriola" panose="04040605051002020D02" pitchFamily="82" charset="0"/>
+              </a:rPr>
+              <a:t>CSS</a:t>
+            </a:r>
+          </a:p>
+          <a:p>
+            <a:r>
+              <a:rPr lang="en-US" sz="2800" dirty="0" smtClean="0">
+                <a:solidFill>
+                  <a:srgbClr val="7F3779"/>
+                </a:solidFill>
+                <a:latin typeface="Gabriola" panose="04040605051002020D02" pitchFamily="82" charset="0"/>
+              </a:rPr>
+              <a:t>JavaScript</a:t>
+            </a:r>
+          </a:p>
+          <a:p>
+            <a:pPr marL="0" indent="0">
+              <a:buFont typeface="Arial" pitchFamily="34" charset="0"/>
+              <a:buNone/>
+            </a:pPr>
+            <a:endParaRPr lang="en-US" dirty="0" smtClean="0"/>
+          </a:p>
+          <a:p>
+            <a:pPr marL="0" indent="0">
+              <a:buFont typeface="Arial" pitchFamily="34" charset="0"/>
+              <a:buNone/>
+            </a:pPr>
+            <a:endParaRPr lang="en-US" dirty="0" smtClean="0"/>
+          </a:p>
+          <a:p>
+            <a:pPr marL="0" indent="0">
+              <a:buFont typeface="Arial" pitchFamily="34" charset="0"/>
+              <a:buNone/>
+            </a:pPr>
+            <a:endParaRPr lang="en-US" dirty="0" smtClean="0"/>
+          </a:p>
+          <a:p>
+            <a:pPr marL="0" indent="0">
+              <a:buFont typeface="Arial" pitchFamily="34" charset="0"/>
+              <a:buNone/>
+            </a:pPr>
+            <a:endParaRPr lang="en-US" dirty="0" smtClean="0"/>
+          </a:p>
+          <a:p>
+            <a:endParaRPr lang="bg-BG" dirty="0"/>
+          </a:p>
+        </p:txBody>
+      </p:sp>
+    </p:spTree>
+    <p:extLst>
+      <p:ext uri="{BB962C8B-B14F-4D97-AF65-F5344CB8AC3E}">
+        <p14:creationId xmlns:p14="http://schemas.microsoft.com/office/powerpoint/2010/main" val="2974580144"/>
+      </p:ext>
+    </p:extLst>
+  </p:cSld>
+  <p:clrMapOvr>
+    <a:masterClrMapping/>
+  </p:clrMapOvr>
+  <p:transition spd="med">
+    <p:pull/>
+  </p:transition>
+  <p:timing>
+    <p:tnLst>
+      <p:par>
+        <p:cTn id="1" dur="indefinite" restart="never" nodeType="tmRoot">
+          <p:childTnLst>
+            <p:seq concurrent="1" nextAc="seek">
+              <p:cTn id="2" dur="indefinite" nodeType="mainSeq">
+                <p:childTnLst>
+                  <p:par>
+                    <p:cTn id="3" fill="hold">
+                      <p:stCondLst>
+                        <p:cond delay="indefinite"/>
+                      </p:stCondLst>
+                      <p:childTnLst>
+                        <p:par>
+                          <p:cTn id="4" fill="hold">
+                            <p:stCondLst>
+                              <p:cond delay="0"/>
+                            </p:stCondLst>
+                            <p:childTnLst>
+                              <p:par>
+                                <p:cTn id="5" presetID="42" presetClass="entr" presetSubtype="0" fill="hold" grpId="0" nodeType="clickEffect">
+                                  <p:stCondLst>
+                                    <p:cond delay="0"/>
+                                  </p:stCondLst>
+                                  <p:childTnLst>
+                                    <p:set>
+                                      <p:cBhvr>
+                                        <p:cTn id="6" dur="1" fill="hold">
+                                          <p:stCondLst>
+                                            <p:cond delay="0"/>
+                                          </p:stCondLst>
+                                        </p:cTn>
+                                        <p:tgtEl>
+                                          <p:spTgt spid="3">
+                                            <p:txEl>
+                                              <p:pRg st="0" end="0"/>
+                                            </p:txEl>
+                                          </p:spTgt>
+                                        </p:tgtEl>
+                                        <p:attrNameLst>
+                                          <p:attrName>style.visibility</p:attrName>
+                                        </p:attrNameLst>
+                                      </p:cBhvr>
+                                      <p:to>
+                                        <p:strVal val="visible"/>
+                                      </p:to>
+                                    </p:set>
+                                    <p:animEffect transition="in" filter="fade">
+                                      <p:cBhvr>
+                                        <p:cTn id="7" dur="1000"/>
+                                        <p:tgtEl>
+                                          <p:spTgt spid="3">
+                                            <p:txEl>
+                                              <p:pRg st="0" end="0"/>
+                                            </p:txEl>
+                                          </p:spTgt>
+                                        </p:tgtEl>
+                                      </p:cBhvr>
+                                    </p:animEffect>
+                                    <p:anim calcmode="lin" valueType="num">
+                                      <p:cBhvr>
+                                        <p:cTn id="8" dur="1000" fill="hold"/>
+                                        <p:tgtEl>
+                                          <p:spTgt spid="3">
+                                            <p:txEl>
+                                              <p:pRg st="0" end="0"/>
+                                            </p:txEl>
+                                          </p:spTgt>
+                                        </p:tgtEl>
+                                        <p:attrNameLst>
+                                          <p:attrName>ppt_x</p:attrName>
+                                        </p:attrNameLst>
+                                      </p:cBhvr>
+                                      <p:tavLst>
+                                        <p:tav tm="0">
+                                          <p:val>
+                                            <p:strVal val="#ppt_x"/>
+                                          </p:val>
+                                        </p:tav>
+                                        <p:tav tm="100000">
+                                          <p:val>
+                                            <p:strVal val="#ppt_x"/>
+                                          </p:val>
+                                        </p:tav>
+                                      </p:tavLst>
+                                    </p:anim>
+                                    <p:anim calcmode="lin" valueType="num">
+                                      <p:cBhvr>
+                                        <p:cTn id="9" dur="1000" fill="hold"/>
+                                        <p:tgtEl>
+                                          <p:spTgt spid="3">
+                                            <p:txEl>
+                                              <p:pRg st="0" end="0"/>
+                                            </p:txEl>
+                                          </p:spTgt>
+                                        </p:tgtEl>
+                                        <p:attrNameLst>
+                                          <p:attrName>ppt_y</p:attrName>
+                                        </p:attrNameLst>
+                                      </p:cBhvr>
+                                      <p:tavLst>
+                                        <p:tav tm="0">
+                                          <p:val>
+                                            <p:strVal val="#ppt_y+.1"/>
+                                          </p:val>
+                                        </p:tav>
+                                        <p:tav tm="100000">
+                                          <p:val>
+                                            <p:strVal val="#ppt_y"/>
+                                          </p:val>
+                                        </p:tav>
+                                      </p:tavLst>
+                                    </p:anim>
+                                  </p:childTnLst>
+                                </p:cTn>
+                              </p:par>
+                            </p:childTnLst>
+                          </p:cTn>
+                        </p:par>
+                      </p:childTnLst>
+                    </p:cTn>
+                  </p:par>
+                  <p:par>
+                    <p:cTn id="10" fill="hold">
+                      <p:stCondLst>
+                        <p:cond delay="indefinite"/>
+                      </p:stCondLst>
+                      <p:childTnLst>
+                        <p:par>
+                          <p:cTn id="11" fill="hold">
+                            <p:stCondLst>
+                              <p:cond delay="0"/>
+                            </p:stCondLst>
+                            <p:childTnLst>
+                              <p:par>
+                                <p:cTn id="12" presetID="42" presetClass="entr" presetSubtype="0" fill="hold" grpId="0" nodeType="clickEffect">
+                                  <p:stCondLst>
+                                    <p:cond delay="0"/>
+                                  </p:stCondLst>
+                                  <p:childTnLst>
+                                    <p:set>
+                                      <p:cBhvr>
+                                        <p:cTn id="13" dur="1" fill="hold">
+                                          <p:stCondLst>
+                                            <p:cond delay="0"/>
+                                          </p:stCondLst>
+                                        </p:cTn>
+                                        <p:tgtEl>
+                                          <p:spTgt spid="3">
+                                            <p:txEl>
+                                              <p:pRg st="1" end="1"/>
+                                            </p:txEl>
+                                          </p:spTgt>
+                                        </p:tgtEl>
+                                        <p:attrNameLst>
+                                          <p:attrName>style.visibility</p:attrName>
+                                        </p:attrNameLst>
+                                      </p:cBhvr>
+                                      <p:to>
+                                        <p:strVal val="visible"/>
+                                      </p:to>
+                                    </p:set>
+                                    <p:animEffect transition="in" filter="fade">
+                                      <p:cBhvr>
+                                        <p:cTn id="14" dur="1000"/>
+                                        <p:tgtEl>
+                                          <p:spTgt spid="3">
+                                            <p:txEl>
+                                              <p:pRg st="1" end="1"/>
+                                            </p:txEl>
+                                          </p:spTgt>
+                                        </p:tgtEl>
+                                      </p:cBhvr>
+                                    </p:animEffect>
+                                    <p:anim calcmode="lin" valueType="num">
+                                      <p:cBhvr>
+                                        <p:cTn id="15" dur="1000" fill="hold"/>
+                                        <p:tgtEl>
+                                          <p:spTgt spid="3">
+                                            <p:txEl>
+                                              <p:pRg st="1" end="1"/>
+                                            </p:txEl>
+                                          </p:spTgt>
+                                        </p:tgtEl>
+                                        <p:attrNameLst>
+                                          <p:attrName>ppt_x</p:attrName>
+                                        </p:attrNameLst>
+                                      </p:cBhvr>
+                                      <p:tavLst>
+                                        <p:tav tm="0">
+                                          <p:val>
+                                            <p:strVal val="#ppt_x"/>
+                                          </p:val>
+                                        </p:tav>
+                                        <p:tav tm="100000">
+                                          <p:val>
+                                            <p:strVal val="#ppt_x"/>
+                                          </p:val>
+                                        </p:tav>
+                                      </p:tavLst>
+                                    </p:anim>
+                                    <p:anim calcmode="lin" valueType="num">
+                                      <p:cBhvr>
+                                        <p:cTn id="16" dur="1000" fill="hold"/>
+                                        <p:tgtEl>
+                                          <p:spTgt spid="3">
+                                            <p:txEl>
+                                              <p:pRg st="1" end="1"/>
+                                            </p:txEl>
+                                          </p:spTgt>
+                                        </p:tgtEl>
+                                        <p:attrNameLst>
+                                          <p:attrName>ppt_y</p:attrName>
+                                        </p:attrNameLst>
+                                      </p:cBhvr>
+                                      <p:tavLst>
+                                        <p:tav tm="0">
+                                          <p:val>
+                                            <p:strVal val="#ppt_y+.1"/>
+                                          </p:val>
+                                        </p:tav>
+                                        <p:tav tm="100000">
+                                          <p:val>
+                                            <p:strVal val="#ppt_y"/>
+                                          </p:val>
+                                        </p:tav>
+                                      </p:tavLst>
+                                    </p:anim>
+                                  </p:childTnLst>
+                                </p:cTn>
+                              </p:par>
+                            </p:childTnLst>
+                          </p:cTn>
+                        </p:par>
+                      </p:childTnLst>
+                    </p:cTn>
+                  </p:par>
+                  <p:par>
+                    <p:cTn id="17" fill="hold">
+                      <p:stCondLst>
+                        <p:cond delay="indefinite"/>
+                      </p:stCondLst>
+                      <p:childTnLst>
+                        <p:par>
+                          <p:cTn id="18" fill="hold">
+                            <p:stCondLst>
+                              <p:cond delay="0"/>
+                            </p:stCondLst>
+                            <p:childTnLst>
+                              <p:par>
+                                <p:cTn id="19" presetID="42" presetClass="entr" presetSubtype="0" fill="hold" grpId="0" nodeType="clickEffect">
+                                  <p:stCondLst>
+                                    <p:cond delay="0"/>
+                                  </p:stCondLst>
+                                  <p:childTnLst>
+                                    <p:set>
+                                      <p:cBhvr>
+                                        <p:cTn id="20" dur="1" fill="hold">
+                                          <p:stCondLst>
+                                            <p:cond delay="0"/>
+                                          </p:stCondLst>
+                                        </p:cTn>
+                                        <p:tgtEl>
+                                          <p:spTgt spid="3">
+                                            <p:txEl>
+                                              <p:pRg st="3" end="3"/>
+                                            </p:txEl>
+                                          </p:spTgt>
+                                        </p:tgtEl>
+                                        <p:attrNameLst>
+                                          <p:attrName>style.visibility</p:attrName>
+                                        </p:attrNameLst>
+                                      </p:cBhvr>
+                                      <p:to>
+                                        <p:strVal val="visible"/>
+                                      </p:to>
+                                    </p:set>
+                                    <p:animEffect transition="in" filter="fade">
+                                      <p:cBhvr>
+                                        <p:cTn id="21" dur="1000"/>
+                                        <p:tgtEl>
+                                          <p:spTgt spid="3">
+                                            <p:txEl>
+                                              <p:pRg st="3" end="3"/>
+                                            </p:txEl>
+                                          </p:spTgt>
+                                        </p:tgtEl>
+                                      </p:cBhvr>
+                                    </p:animEffect>
+                                    <p:anim calcmode="lin" valueType="num">
+                                      <p:cBhvr>
+                                        <p:cTn id="22" dur="1000" fill="hold"/>
+                                        <p:tgtEl>
+                                          <p:spTgt spid="3">
+                                            <p:txEl>
+                                              <p:pRg st="3" end="3"/>
+                                            </p:txEl>
+                                          </p:spTgt>
+                                        </p:tgtEl>
+                                        <p:attrNameLst>
+                                          <p:attrName>ppt_x</p:attrName>
+                                        </p:attrNameLst>
+                                      </p:cBhvr>
+                                      <p:tavLst>
+                                        <p:tav tm="0">
+                                          <p:val>
+                                            <p:strVal val="#ppt_x"/>
+                                          </p:val>
+                                        </p:tav>
+                                        <p:tav tm="100000">
+                                          <p:val>
+                                            <p:strVal val="#ppt_x"/>
+                                          </p:val>
+                                        </p:tav>
+                                      </p:tavLst>
+                                    </p:anim>
+                                    <p:anim calcmode="lin" valueType="num">
+                                      <p:cBhvr>
+                                        <p:cTn id="23" dur="1000" fill="hold"/>
+                                        <p:tgtEl>
+                                          <p:spTgt spid="3">
+                                            <p:txEl>
+                                              <p:pRg st="3" end="3"/>
+                                            </p:txEl>
+                                          </p:spTgt>
+                                        </p:tgtEl>
+                                        <p:attrNameLst>
+                                          <p:attrName>ppt_y</p:attrName>
+                                        </p:attrNameLst>
+                                      </p:cBhvr>
+                                      <p:tavLst>
+                                        <p:tav tm="0">
+                                          <p:val>
+                                            <p:strVal val="#ppt_y+.1"/>
+                                          </p:val>
+                                        </p:tav>
+                                        <p:tav tm="100000">
+                                          <p:val>
+                                            <p:strVal val="#ppt_y"/>
+                                          </p:val>
+                                        </p:tav>
+                                      </p:tavLst>
+                                    </p:anim>
+                                  </p:childTnLst>
+                                </p:cTn>
+                              </p:par>
+                            </p:childTnLst>
+                          </p:cTn>
+                        </p:par>
+                      </p:childTnLst>
+                    </p:cTn>
+                  </p:par>
+                  <p:par>
+                    <p:cTn id="24" fill="hold">
+                      <p:stCondLst>
+                        <p:cond delay="indefinite"/>
+                      </p:stCondLst>
+                      <p:childTnLst>
+                        <p:par>
+                          <p:cTn id="25" fill="hold">
+                            <p:stCondLst>
+                              <p:cond delay="0"/>
+                            </p:stCondLst>
+                            <p:childTnLst>
+                              <p:par>
+                                <p:cTn id="26" presetID="42" presetClass="entr" presetSubtype="0" fill="hold" grpId="0" nodeType="clickEffect">
+                                  <p:stCondLst>
+                                    <p:cond delay="0"/>
+                                  </p:stCondLst>
+                                  <p:childTnLst>
+                                    <p:set>
+                                      <p:cBhvr>
+                                        <p:cTn id="27" dur="1" fill="hold">
+                                          <p:stCondLst>
+                                            <p:cond delay="0"/>
+                                          </p:stCondLst>
+                                        </p:cTn>
+                                        <p:tgtEl>
+                                          <p:spTgt spid="3">
+                                            <p:txEl>
+                                              <p:pRg st="4" end="4"/>
+                                            </p:txEl>
+                                          </p:spTgt>
+                                        </p:tgtEl>
+                                        <p:attrNameLst>
+                                          <p:attrName>style.visibility</p:attrName>
+                                        </p:attrNameLst>
+                                      </p:cBhvr>
+                                      <p:to>
+                                        <p:strVal val="visible"/>
+                                      </p:to>
+                                    </p:set>
+                                    <p:animEffect transition="in" filter="fade">
+                                      <p:cBhvr>
+                                        <p:cTn id="28" dur="1000"/>
+                                        <p:tgtEl>
+                                          <p:spTgt spid="3">
+                                            <p:txEl>
+                                              <p:pRg st="4" end="4"/>
+                                            </p:txEl>
+                                          </p:spTgt>
+                                        </p:tgtEl>
+                                      </p:cBhvr>
+                                    </p:animEffect>
+                                    <p:anim calcmode="lin" valueType="num">
+                                      <p:cBhvr>
+                                        <p:cTn id="29" dur="1000" fill="hold"/>
+                                        <p:tgtEl>
+                                          <p:spTgt spid="3">
+                                            <p:txEl>
+                                              <p:pRg st="4" end="4"/>
+                                            </p:txEl>
+                                          </p:spTgt>
+                                        </p:tgtEl>
+                                        <p:attrNameLst>
+                                          <p:attrName>ppt_x</p:attrName>
+                                        </p:attrNameLst>
+                                      </p:cBhvr>
+                                      <p:tavLst>
+                                        <p:tav tm="0">
+                                          <p:val>
+                                            <p:strVal val="#ppt_x"/>
+                                          </p:val>
+                                        </p:tav>
+                                        <p:tav tm="100000">
+                                          <p:val>
+                                            <p:strVal val="#ppt_x"/>
+                                          </p:val>
+                                        </p:tav>
+                                      </p:tavLst>
+                                    </p:anim>
+                                    <p:anim calcmode="lin" valueType="num">
+                                      <p:cBhvr>
+                                        <p:cTn id="30" dur="1000" fill="hold"/>
+                                        <p:tgtEl>
+                                          <p:spTgt spid="3">
+                                            <p:txEl>
+                                              <p:pRg st="4" end="4"/>
+                                            </p:txEl>
+                                          </p:spTgt>
+                                        </p:tgtEl>
+                                        <p:attrNameLst>
+                                          <p:attrName>ppt_y</p:attrName>
+                                        </p:attrNameLst>
+                                      </p:cBhvr>
+                                      <p:tavLst>
+                                        <p:tav tm="0">
+                                          <p:val>
+                                            <p:strVal val="#ppt_y+.1"/>
+                                          </p:val>
+                                        </p:tav>
+                                        <p:tav tm="100000">
+                                          <p:val>
+                                            <p:strVal val="#ppt_y"/>
+                                          </p:val>
+                                        </p:tav>
+                                      </p:tavLst>
+                                    </p:anim>
+                                  </p:childTnLst>
+                                </p:cTn>
+                              </p:par>
+                            </p:childTnLst>
+                          </p:cTn>
+                        </p:par>
+                      </p:childTnLst>
+                    </p:cTn>
+                  </p:par>
+                  <p:par>
+                    <p:cTn id="31" fill="hold">
+                      <p:stCondLst>
+                        <p:cond delay="indefinite"/>
+                      </p:stCondLst>
+                      <p:childTnLst>
+                        <p:par>
+                          <p:cTn id="32" fill="hold">
+                            <p:stCondLst>
+                              <p:cond delay="0"/>
+                            </p:stCondLst>
+                            <p:childTnLst>
+                              <p:par>
+                                <p:cTn id="33" presetID="42" presetClass="entr" presetSubtype="0" fill="hold" grpId="0" nodeType="clickEffect">
+                                  <p:stCondLst>
+                                    <p:cond delay="0"/>
+                                  </p:stCondLst>
+                                  <p:childTnLst>
+                                    <p:set>
+                                      <p:cBhvr>
+                                        <p:cTn id="34" dur="1" fill="hold">
+                                          <p:stCondLst>
+                                            <p:cond delay="0"/>
+                                          </p:stCondLst>
+                                        </p:cTn>
+                                        <p:tgtEl>
+                                          <p:spTgt spid="8"/>
+                                        </p:tgtEl>
+                                        <p:attrNameLst>
+                                          <p:attrName>style.visibility</p:attrName>
+                                        </p:attrNameLst>
+                                      </p:cBhvr>
+                                      <p:to>
+                                        <p:strVal val="visible"/>
+                                      </p:to>
+                                    </p:set>
+                                    <p:animEffect transition="in" filter="fade">
+                                      <p:cBhvr>
+                                        <p:cTn id="35" dur="1000"/>
+                                        <p:tgtEl>
+                                          <p:spTgt spid="8"/>
+                                        </p:tgtEl>
+                                      </p:cBhvr>
+                                    </p:animEffect>
+                                    <p:anim calcmode="lin" valueType="num">
+                                      <p:cBhvr>
+                                        <p:cTn id="36" dur="1000" fill="hold"/>
+                                        <p:tgtEl>
+                                          <p:spTgt spid="8"/>
+                                        </p:tgtEl>
+                                        <p:attrNameLst>
+                                          <p:attrName>ppt_x</p:attrName>
+                                        </p:attrNameLst>
+                                      </p:cBhvr>
+                                      <p:tavLst>
+                                        <p:tav tm="0">
+                                          <p:val>
+                                            <p:strVal val="#ppt_x"/>
+                                          </p:val>
+                                        </p:tav>
+                                        <p:tav tm="100000">
+                                          <p:val>
+                                            <p:strVal val="#ppt_x"/>
+                                          </p:val>
+                                        </p:tav>
+                                      </p:tavLst>
+                                    </p:anim>
+                                    <p:anim calcmode="lin" valueType="num">
+                                      <p:cBhvr>
+                                        <p:cTn id="37" dur="1000" fill="hold"/>
+                                        <p:tgtEl>
+                                          <p:spTgt spid="8"/>
+                                        </p:tgtEl>
+                                        <p:attrNameLst>
+                                          <p:attrName>ppt_y</p:attrName>
+                                        </p:attrNameLst>
+                                      </p:cBhvr>
+                                      <p:tavLst>
+                                        <p:tav tm="0">
+                                          <p:val>
+                                            <p:strVal val="#ppt_y+.1"/>
+                                          </p:val>
+                                        </p:tav>
+                                        <p:tav tm="100000">
+                                          <p:val>
+                                            <p:strVal val="#ppt_y"/>
+                                          </p:val>
+                                        </p:tav>
+                                      </p:tavLst>
+                                    </p:anim>
+                                  </p:childTnLst>
+                                </p:cTn>
+                              </p:par>
+                            </p:childTnLst>
+                          </p:cTn>
+                        </p:par>
+                      </p:childTnLst>
+                    </p:cTn>
+                  </p:par>
+                </p:childTnLst>
+              </p:cTn>
+              <p:prevCondLst>
+                <p:cond evt="onPrev" delay="0">
+                  <p:tgtEl>
+                    <p:sldTgt/>
+                  </p:tgtEl>
+                </p:cond>
+              </p:prevCondLst>
+              <p:nextCondLst>
+                <p:cond evt="onNext" delay="0">
+                  <p:tgtEl>
+                    <p:sldTgt/>
+                  </p:tgtEl>
+                </p:cond>
+              </p:nextCondLst>
+            </p:seq>
+          </p:childTnLst>
+        </p:cTn>
+      </p:par>
+    </p:tnLst>
+    <p:bldLst>
+      <p:bldP spid="3" grpId="0" build="p"/>
+      <p:bldP spid="8" grpId="0"/>
+    </p:bldLst>
+  </p:timing>
+</p:sld>
+</file>
+
+<file path=ppt/slides/slide6.xml><?xml version="1.0" encoding="utf-8"?>
+<p:sld xmlns:a="http://schemas.openxmlformats.org/drawingml/2006/main" xmlns:r="http://schemas.openxmlformats.org/officeDocument/2006/relationships" xmlns:p="http://schemas.openxmlformats.org/presentationml/2006/main" showMasterSp="0">
+  <p:cSld>
+    <p:spTree>
+      <p:nvGrpSpPr>
+        <p:cNvPr id="1" name=""/>
+        <p:cNvGrpSpPr/>
+        <p:nvPr/>
+      </p:nvGrpSpPr>
+      <p:grpSpPr>
+        <a:xfrm>
+          <a:off x="0" y="0"/>
+          <a:ext cx="0" cy="0"/>
+          <a:chOff x="0" y="0"/>
+          <a:chExt cx="0" cy="0"/>
+        </a:xfrm>
+      </p:grpSpPr>
+      <p:sp>
+        <p:nvSpPr>
+          <p:cNvPr id="2" name="Заглавие 1"/>
+          <p:cNvSpPr>
+            <a:spLocks noGrp="1"/>
+          </p:cNvSpPr>
+          <p:nvPr>
+            <p:ph type="title"/>
+          </p:nvPr>
+        </p:nvSpPr>
+        <p:spPr>
+          <a:xfrm>
+            <a:off x="467544" y="0"/>
+            <a:ext cx="8229600" cy="1411560"/>
+          </a:xfrm>
+        </p:spPr>
+        <p:txBody>
+          <a:bodyPr/>
+          <a:lstStyle/>
+          <a:p>
+            <a:r>
+              <a:rPr lang="en-US" sz="8800" dirty="0" smtClean="0">
+                <a:solidFill>
+                  <a:srgbClr val="5E0857"/>
+                </a:solidFill>
+                <a:latin typeface="Gabriola" panose="04040605051002020D02" pitchFamily="82" charset="0"/>
+              </a:rPr>
+              <a:t>Future plans</a:t>
+            </a:r>
+            <a:endParaRPr lang="bg-BG" sz="8800" dirty="0">
+              <a:solidFill>
+                <a:srgbClr val="5E0857"/>
+              </a:solidFill>
+              <a:latin typeface="Gabriola" panose="04040605051002020D02" pitchFamily="82" charset="0"/>
+            </a:endParaRPr>
+          </a:p>
+        </p:txBody>
+      </p:sp>
+      <p:sp>
+        <p:nvSpPr>
+          <p:cNvPr id="3" name="Контейнер за съдържание 2"/>
+          <p:cNvSpPr>
+            <a:spLocks noGrp="1"/>
+          </p:cNvSpPr>
+          <p:nvPr>
+            <p:ph idx="1"/>
+          </p:nvPr>
+        </p:nvSpPr>
+        <p:spPr>
+          <a:xfrm>
+            <a:off x="611560" y="1700808"/>
+            <a:ext cx="8229600" cy="4525963"/>
+          </a:xfrm>
+        </p:spPr>
+        <p:txBody>
+          <a:bodyPr/>
+          <a:lstStyle/>
+          <a:p>
+            <a:r>
+              <a:rPr lang="en-US" sz="4000" dirty="0" smtClean="0">
+                <a:solidFill>
+                  <a:srgbClr val="7F3779"/>
+                </a:solidFill>
+                <a:latin typeface="Gabriola" panose="04040605051002020D02" pitchFamily="82" charset="0"/>
+              </a:rPr>
+              <a:t>Make the project more secure and faster.</a:t>
+            </a:r>
+          </a:p>
+          <a:p>
+            <a:r>
+              <a:rPr lang="en-US" sz="4000" dirty="0">
+                <a:solidFill>
+                  <a:srgbClr val="7F3779"/>
+                </a:solidFill>
+                <a:latin typeface="Gabriola" panose="04040605051002020D02" pitchFamily="82" charset="0"/>
+              </a:rPr>
+              <a:t>I</a:t>
+            </a:r>
+            <a:r>
+              <a:rPr lang="en-US" sz="4000" dirty="0" smtClean="0">
+                <a:solidFill>
+                  <a:srgbClr val="7F3779"/>
+                </a:solidFill>
+                <a:latin typeface="Gabriola" panose="04040605051002020D02" pitchFamily="82" charset="0"/>
+              </a:rPr>
+              <a:t>mprove </a:t>
+            </a:r>
+            <a:r>
+              <a:rPr lang="en-US" sz="4000" dirty="0">
+                <a:solidFill>
+                  <a:srgbClr val="7F3779"/>
+                </a:solidFill>
+                <a:latin typeface="Gabriola" panose="04040605051002020D02" pitchFamily="82" charset="0"/>
+              </a:rPr>
+              <a:t>the design</a:t>
+            </a:r>
+            <a:r>
+              <a:rPr lang="en-US" sz="4000" dirty="0" smtClean="0">
+                <a:solidFill>
+                  <a:srgbClr val="7F3779"/>
+                </a:solidFill>
+                <a:latin typeface="Gabriola" panose="04040605051002020D02" pitchFamily="82" charset="0"/>
+              </a:rPr>
+              <a:t>.</a:t>
+            </a:r>
+            <a:endParaRPr lang="en-US" sz="4000" dirty="0">
+              <a:solidFill>
+                <a:srgbClr val="7F3779"/>
+              </a:solidFill>
+              <a:latin typeface="Gabriola" panose="04040605051002020D02" pitchFamily="82" charset="0"/>
+            </a:endParaRPr>
+          </a:p>
+          <a:p>
+            <a:r>
+              <a:rPr lang="en-US" sz="4000" dirty="0">
+                <a:solidFill>
+                  <a:srgbClr val="7F3779"/>
+                </a:solidFill>
+                <a:latin typeface="Gabriola" panose="04040605051002020D02" pitchFamily="82" charset="0"/>
+              </a:rPr>
+              <a:t>M</a:t>
+            </a:r>
+            <a:r>
+              <a:rPr lang="en-US" sz="4000" dirty="0" smtClean="0">
+                <a:solidFill>
+                  <a:srgbClr val="7F3779"/>
+                </a:solidFill>
+                <a:latin typeface="Gabriola" panose="04040605051002020D02" pitchFamily="82" charset="0"/>
+              </a:rPr>
+              <a:t>ake more categories for pictures.</a:t>
+            </a:r>
+          </a:p>
+          <a:p>
+            <a:r>
+              <a:rPr lang="en-US" sz="4000" dirty="0" smtClean="0">
+                <a:solidFill>
+                  <a:srgbClr val="7F3779"/>
+                </a:solidFill>
+                <a:latin typeface="Gabriola" panose="04040605051002020D02" pitchFamily="82" charset="0"/>
+              </a:rPr>
+              <a:t>Make posts with more fields.</a:t>
+            </a:r>
+          </a:p>
+          <a:p>
+            <a:r>
+              <a:rPr lang="en-US" sz="4000" dirty="0">
+                <a:solidFill>
+                  <a:srgbClr val="7F3779"/>
+                </a:solidFill>
+                <a:latin typeface="Gabriola" panose="04040605051002020D02" pitchFamily="82" charset="0"/>
+              </a:rPr>
+              <a:t>A</a:t>
+            </a:r>
+            <a:r>
+              <a:rPr lang="en-US" sz="4000" dirty="0" smtClean="0">
+                <a:solidFill>
+                  <a:srgbClr val="7F3779"/>
+                </a:solidFill>
+                <a:latin typeface="Gabriola" panose="04040605051002020D02" pitchFamily="82" charset="0"/>
+              </a:rPr>
+              <a:t>dd functionality for following users.</a:t>
+            </a:r>
+          </a:p>
+          <a:p>
+            <a:endParaRPr lang="bg-BG" dirty="0"/>
+          </a:p>
+        </p:txBody>
+      </p:sp>
+      <p:pic>
+        <p:nvPicPr>
+          <p:cNvPr id="8" name="Picture 7" descr="D:\WIFRepo\WebContent\images\logo.png"/>
+          <p:cNvPicPr>
+            <a:picLocks noChangeAspect="1" noChangeArrowheads="1"/>
+          </p:cNvPicPr>
+          <p:nvPr/>
+        </p:nvPicPr>
+        <p:blipFill>
+          <a:blip r:embed="rId2">
+            <a:extLst>
+              <a:ext uri="{28A0092B-C50C-407E-A947-70E740481C1C}">
+                <a14:useLocalDpi xmlns:a14="http://schemas.microsoft.com/office/drawing/2010/main" val="0"/>
+              </a:ext>
+            </a:extLst>
+          </a:blip>
+          <a:srcRect/>
+          <a:stretch>
+            <a:fillRect/>
+          </a:stretch>
+        </p:blipFill>
+        <p:spPr bwMode="auto">
+          <a:xfrm>
+            <a:off x="7442402" y="5880094"/>
+            <a:ext cx="1689110" cy="977906"/>
+          </a:xfrm>
+          <a:prstGeom prst="rect">
+            <a:avLst/>
+          </a:prstGeom>
+          <a:noFill/>
+          <a:extLst>
+            <a:ext uri="{909E8E84-426E-40DD-AFC4-6F175D3DCCD1}">
+              <a14:hiddenFill xmlns:a14="http://schemas.microsoft.com/office/drawing/2010/main">
+                <a:solidFill>
+                  <a:srgbClr val="FFFFFF"/>
+                </a:solidFill>
+              </a14:hiddenFill>
+            </a:ext>
+          </a:extLst>
+        </p:spPr>
+      </p:pic>
+    </p:spTree>
+    <p:extLst>
+      <p:ext uri="{BB962C8B-B14F-4D97-AF65-F5344CB8AC3E}">
+        <p14:creationId xmlns:p14="http://schemas.microsoft.com/office/powerpoint/2010/main" val="3105736161"/>
+      </p:ext>
+    </p:extLst>
+  </p:cSld>
+  <p:clrMapOvr>
+    <a:masterClrMapping/>
+  </p:clrMapOvr>
+  <p:transition spd="med">
+    <p:pull/>
+  </p:transition>
+  <p:timing>
+    <p:tnLst>
+      <p:par>
+        <p:cTn id="1" dur="indefinite" restart="never" nodeType="tmRoot">
+          <p:childTnLst>
+            <p:seq concurrent="1" nextAc="seek">
+              <p:cTn id="2" dur="indefinite" nodeType="mainSeq">
+                <p:childTnLst>
+                  <p:par>
+                    <p:cTn id="3" fill="hold">
+                      <p:stCondLst>
+                        <p:cond delay="indefinite"/>
+                      </p:stCondLst>
+                      <p:childTnLst>
+                        <p:par>
+                          <p:cTn id="4" fill="hold">
+                            <p:stCondLst>
+                              <p:cond delay="0"/>
+                            </p:stCondLst>
+                            <p:childTnLst>
+                              <p:par>
+                                <p:cTn id="5" presetID="2" presetClass="entr" presetSubtype="4" fill="hold" grpId="0" nodeType="clickEffect">
                                   <p:stCondLst>
                                     <p:cond delay="0"/>
                                   </p:stCondLst>
@@ -4172,7 +6772,7 @@
                             </p:stCondLst>
                             <p:childTnLst>
                               <p:par>
-                                <p:cTn id="11" presetID="2" presetClass="entr" presetSubtype="4" fill="hold" nodeType="clickEffect">
+                                <p:cTn id="11" presetID="2" presetClass="entr" presetSubtype="4" fill="hold" grpId="0" nodeType="clickEffect">
                                   <p:stCondLst>
                                     <p:cond delay="0"/>
                                   </p:stCondLst>
@@ -4275,7 +6875,7 @@
                             </p:stCondLst>
                             <p:childTnLst>
                               <p:par>
-                                <p:cTn id="17" presetID="2" presetClass="entr" presetSubtype="4" fill="hold" nodeType="clickEffect">
+                                <p:cTn id="17" presetID="2" presetClass="entr" presetSubtype="4" fill="hold" grpId="0" nodeType="clickEffect">
                                   <p:stCondLst>
                                     <p:cond delay="0"/>
                                   </p:stCondLst>
@@ -4378,7 +6978,7 @@
                             </p:stCondLst>
                             <p:childTnLst>
                               <p:par>
-                                <p:cTn id="23" presetID="2" presetClass="entr" presetSubtype="4" fill="hold" nodeType="clickEffect">
+                                <p:cTn id="23" presetID="2" presetClass="entr" presetSubtype="4" fill="hold" grpId="0" nodeType="clickEffect">
                                   <p:stCondLst>
                                     <p:cond delay="0"/>
                                   </p:stCondLst>
@@ -4481,7 +7081,7 @@
                             </p:stCondLst>
                             <p:childTnLst>
                               <p:par>
-                                <p:cTn id="29" presetID="2" presetClass="entr" presetSubtype="4" fill="hold" nodeType="clickEffect">
+                                <p:cTn id="29" presetID="2" presetClass="entr" presetSubtype="4" fill="hold" grpId="0" nodeType="clickEffect">
                                   <p:stCondLst>
                                     <p:cond delay="0"/>
                                   </p:stCondLst>
@@ -4571,1547 +7171,6 @@
                       </p:childTnLst>
                     </p:cTn>
                   </p:par>
-                  <p:par>
-                    <p:cTn id="33" fill="hold">
-                      <p:stCondLst>
-                        <p:cond delay="indefinite"/>
-                      </p:stCondLst>
-                      <p:childTnLst>
-                        <p:par>
-                          <p:cTn id="34" fill="hold">
-                            <p:stCondLst>
-                              <p:cond delay="0"/>
-                            </p:stCondLst>
-                            <p:childTnLst>
-                              <p:par>
-                                <p:cTn id="35" presetID="2" presetClass="entr" presetSubtype="4" fill="hold" nodeType="clickEffect">
-                                  <p:stCondLst>
-                                    <p:cond delay="0"/>
-                                  </p:stCondLst>
-                                  <p:childTnLst>
-                                    <p:set>
-                                      <p:cBhvr>
-                                        <p:cTn id="36" dur="1" fill="hold">
-                                          <p:stCondLst>
-                                            <p:cond delay="0"/>
-                                          </p:stCondLst>
-                                        </p:cTn>
-                                        <p:tgtEl>
-                                          <p:spTgt spid="3">
-                                            <p:txEl>
-                                              <p:pRg st="5" end="5"/>
-                                            </p:txEl>
-                                          </p:spTgt>
-                                        </p:tgtEl>
-                                        <p:attrNameLst>
-                                          <p:attrName>style.visibility</p:attrName>
-                                        </p:attrNameLst>
-                                      </p:cBhvr>
-                                      <p:to>
-                                        <p:strVal val="visible"/>
-                                      </p:to>
-                                    </p:set>
-                                    <p:anim calcmode="lin" valueType="num">
-                                      <p:cBhvr additive="base">
-                                        <p:cTn id="37" dur="500" fill="hold"/>
-                                        <p:tgtEl>
-                                          <p:spTgt spid="3">
-                                            <p:txEl>
-                                              <p:pRg st="5" end="5"/>
-                                            </p:txEl>
-                                          </p:spTgt>
-                                        </p:tgtEl>
-                                        <p:attrNameLst>
-                                          <p:attrName>ppt_x</p:attrName>
-                                        </p:attrNameLst>
-                                      </p:cBhvr>
-                                      <p:tavLst>
-                                        <p:tav tm="0">
-                                          <p:val>
-                                            <p:strVal val="#ppt_x"/>
-                                          </p:val>
-                                        </p:tav>
-                                        <p:tav tm="100000">
-                                          <p:val>
-                                            <p:strVal val="#ppt_x"/>
-                                          </p:val>
-                                        </p:tav>
-                                      </p:tavLst>
-                                    </p:anim>
-                                    <p:anim calcmode="lin" valueType="num">
-                                      <p:cBhvr additive="base">
-                                        <p:cTn id="38" dur="500" fill="hold"/>
-                                        <p:tgtEl>
-                                          <p:spTgt spid="3">
-                                            <p:txEl>
-                                              <p:pRg st="5" end="5"/>
-                                            </p:txEl>
-                                          </p:spTgt>
-                                        </p:tgtEl>
-                                        <p:attrNameLst>
-                                          <p:attrName>ppt_y</p:attrName>
-                                        </p:attrNameLst>
-                                      </p:cBhvr>
-                                      <p:tavLst>
-                                        <p:tav tm="0">
-                                          <p:val>
-                                            <p:strVal val="1+#ppt_h/2"/>
-                                          </p:val>
-                                        </p:tav>
-                                        <p:tav tm="100000">
-                                          <p:val>
-                                            <p:strVal val="#ppt_y"/>
-                                          </p:val>
-                                        </p:tav>
-                                      </p:tavLst>
-                                    </p:anim>
-                                  </p:childTnLst>
-                                </p:cTn>
-                              </p:par>
-                            </p:childTnLst>
-                          </p:cTn>
-                        </p:par>
-                      </p:childTnLst>
-                    </p:cTn>
-                  </p:par>
-                </p:childTnLst>
-              </p:cTn>
-              <p:prevCondLst>
-                <p:cond evt="onPrev" delay="0">
-                  <p:tgtEl>
-                    <p:sldTgt/>
-                  </p:tgtEl>
-                </p:cond>
-              </p:prevCondLst>
-              <p:nextCondLst>
-                <p:cond evt="onNext" delay="0">
-                  <p:tgtEl>
-                    <p:sldTgt/>
-                  </p:tgtEl>
-                </p:cond>
-              </p:nextCondLst>
-            </p:seq>
-          </p:childTnLst>
-        </p:cTn>
-      </p:par>
-    </p:tnLst>
-  </p:timing>
-</p:sld>
-</file>
-
-<file path=ppt/slides/slide5.xml><?xml version="1.0" encoding="utf-8"?>
-<p:sld xmlns:a="http://schemas.openxmlformats.org/drawingml/2006/main" xmlns:r="http://schemas.openxmlformats.org/officeDocument/2006/relationships" xmlns:p="http://schemas.openxmlformats.org/presentationml/2006/main">
-  <p:cSld>
-    <p:spTree>
-      <p:nvGrpSpPr>
-        <p:cNvPr id="1" name=""/>
-        <p:cNvGrpSpPr/>
-        <p:nvPr/>
-      </p:nvGrpSpPr>
-      <p:grpSpPr>
-        <a:xfrm>
-          <a:off x="0" y="0"/>
-          <a:ext cx="0" cy="0"/>
-          <a:chOff x="0" y="0"/>
-          <a:chExt cx="0" cy="0"/>
-        </a:xfrm>
-      </p:grpSpPr>
-      <p:sp>
-        <p:nvSpPr>
-          <p:cNvPr id="2" name="Заглавие 1"/>
-          <p:cNvSpPr>
-            <a:spLocks noGrp="1"/>
-          </p:cNvSpPr>
-          <p:nvPr>
-            <p:ph type="title"/>
-          </p:nvPr>
-        </p:nvSpPr>
-        <p:spPr>
-          <a:xfrm>
-            <a:off x="466465" y="548680"/>
-            <a:ext cx="8229600" cy="1656184"/>
-          </a:xfrm>
-        </p:spPr>
-        <p:txBody>
-          <a:bodyPr/>
-          <a:lstStyle/>
-          <a:p>
-            <a:r>
-              <a:rPr lang="en-US" dirty="0" smtClean="0"/>
-              <a:t>What technologies does it use?</a:t>
-            </a:r>
-            <a:endParaRPr lang="bg-BG" dirty="0"/>
-          </a:p>
-        </p:txBody>
-      </p:sp>
-      <p:sp>
-        <p:nvSpPr>
-          <p:cNvPr id="3" name="Контейнер за съдържание 2"/>
-          <p:cNvSpPr>
-            <a:spLocks noGrp="1"/>
-          </p:cNvSpPr>
-          <p:nvPr>
-            <p:ph idx="1"/>
-          </p:nvPr>
-        </p:nvSpPr>
-        <p:spPr>
-          <a:xfrm>
-            <a:off x="491261" y="2204864"/>
-            <a:ext cx="8229600" cy="4248472"/>
-          </a:xfrm>
-        </p:spPr>
-        <p:txBody>
-          <a:bodyPr>
-            <a:normAutofit fontScale="92500" lnSpcReduction="20000"/>
-          </a:bodyPr>
-          <a:lstStyle/>
-          <a:p>
-            <a:pPr marL="0" indent="0">
-              <a:buNone/>
-            </a:pPr>
-            <a:r>
-              <a:rPr lang="en-US" dirty="0" smtClean="0"/>
-              <a:t>Database : </a:t>
-            </a:r>
-            <a:endParaRPr lang="en-US" dirty="0"/>
-          </a:p>
-          <a:p>
-            <a:r>
-              <a:rPr lang="en-US" dirty="0" smtClean="0"/>
-              <a:t>MySQL</a:t>
-            </a:r>
-          </a:p>
-          <a:p>
-            <a:pPr marL="0" indent="0">
-              <a:buNone/>
-            </a:pPr>
-            <a:endParaRPr lang="en-US" dirty="0" smtClean="0"/>
-          </a:p>
-          <a:p>
-            <a:pPr marL="0" indent="0">
-              <a:buNone/>
-            </a:pPr>
-            <a:r>
-              <a:rPr lang="en-US" dirty="0" smtClean="0"/>
-              <a:t>Database connection to Java code</a:t>
-            </a:r>
-            <a:r>
-              <a:rPr lang="en-US" dirty="0" smtClean="0"/>
-              <a:t>:</a:t>
-            </a:r>
-          </a:p>
-          <a:p>
-            <a:r>
-              <a:rPr lang="en-US" dirty="0" smtClean="0"/>
-              <a:t> JDBC</a:t>
-            </a:r>
-          </a:p>
-          <a:p>
-            <a:pPr marL="0" indent="0">
-              <a:buNone/>
-            </a:pPr>
-            <a:endParaRPr lang="en-US" dirty="0" smtClean="0"/>
-          </a:p>
-          <a:p>
-            <a:pPr marL="0" indent="0">
-              <a:buNone/>
-            </a:pPr>
-            <a:r>
-              <a:rPr lang="en-US" dirty="0" smtClean="0"/>
-              <a:t>Java </a:t>
-            </a:r>
-            <a:r>
-              <a:rPr lang="en-US" dirty="0" smtClean="0"/>
-              <a:t>EE specific: </a:t>
-            </a:r>
-            <a:endParaRPr lang="en-US" dirty="0" smtClean="0"/>
-          </a:p>
-          <a:p>
-            <a:r>
-              <a:rPr lang="en-US" dirty="0" smtClean="0"/>
-              <a:t>Servlets</a:t>
-            </a:r>
-          </a:p>
-          <a:p>
-            <a:r>
-              <a:rPr lang="en-US" dirty="0" smtClean="0"/>
-              <a:t>JSP</a:t>
-            </a:r>
-          </a:p>
-          <a:p>
-            <a:r>
-              <a:rPr lang="en-US" dirty="0" smtClean="0"/>
-              <a:t>HTML</a:t>
-            </a:r>
-          </a:p>
-          <a:p>
-            <a:r>
-              <a:rPr lang="en-US" dirty="0" smtClean="0"/>
-              <a:t>CSS</a:t>
-            </a:r>
-          </a:p>
-          <a:p>
-            <a:r>
-              <a:rPr lang="en-US" dirty="0" smtClean="0"/>
-              <a:t>JavaScript</a:t>
-            </a:r>
-            <a:endParaRPr lang="en-US" dirty="0" smtClean="0"/>
-          </a:p>
-          <a:p>
-            <a:pPr marL="0" indent="0">
-              <a:buNone/>
-            </a:pPr>
-            <a:endParaRPr lang="en-US" dirty="0"/>
-          </a:p>
-          <a:p>
-            <a:pPr marL="0" indent="0">
-              <a:buNone/>
-            </a:pPr>
-            <a:endParaRPr lang="en-US" dirty="0" smtClean="0"/>
-          </a:p>
-          <a:p>
-            <a:pPr marL="0" indent="0">
-              <a:buNone/>
-            </a:pPr>
-            <a:endParaRPr lang="en-US" dirty="0" smtClean="0"/>
-          </a:p>
-          <a:p>
-            <a:pPr marL="0" indent="0">
-              <a:buNone/>
-            </a:pPr>
-            <a:endParaRPr lang="en-US" dirty="0" smtClean="0"/>
-          </a:p>
-          <a:p>
-            <a:endParaRPr lang="bg-BG" dirty="0"/>
-          </a:p>
-        </p:txBody>
-      </p:sp>
-      <p:pic>
-        <p:nvPicPr>
-          <p:cNvPr id="5" name="Picture 3" descr="D:\WIFRepo\WebContent\images\notification_icon.png"/>
-          <p:cNvPicPr>
-            <a:picLocks noChangeAspect="1" noChangeArrowheads="1"/>
-          </p:cNvPicPr>
-          <p:nvPr/>
-        </p:nvPicPr>
-        <p:blipFill>
-          <a:blip r:embed="rId2">
-            <a:extLst>
-              <a:ext uri="{28A0092B-C50C-407E-A947-70E740481C1C}">
-                <a14:useLocalDpi xmlns:a14="http://schemas.microsoft.com/office/drawing/2010/main" val="0"/>
-              </a:ext>
-            </a:extLst>
-          </a:blip>
-          <a:srcRect/>
-          <a:stretch>
-            <a:fillRect/>
-          </a:stretch>
-        </p:blipFill>
-        <p:spPr bwMode="auto">
-          <a:xfrm>
-            <a:off x="179512" y="116632"/>
-            <a:ext cx="573906" cy="576064"/>
-          </a:xfrm>
-          <a:prstGeom prst="rect">
-            <a:avLst/>
-          </a:prstGeom>
-          <a:noFill/>
-          <a:extLst>
-            <a:ext uri="{909E8E84-426E-40DD-AFC4-6F175D3DCCD1}">
-              <a14:hiddenFill xmlns:a14="http://schemas.microsoft.com/office/drawing/2010/main">
-                <a:solidFill>
-                  <a:srgbClr val="FFFFFF"/>
-                </a:solidFill>
-              </a14:hiddenFill>
-            </a:ext>
-          </a:extLst>
-        </p:spPr>
-      </p:pic>
-    </p:spTree>
-    <p:extLst>
-      <p:ext uri="{BB962C8B-B14F-4D97-AF65-F5344CB8AC3E}">
-        <p14:creationId xmlns:p14="http://schemas.microsoft.com/office/powerpoint/2010/main" val="2974580144"/>
-      </p:ext>
-    </p:extLst>
-  </p:cSld>
-  <p:clrMapOvr>
-    <a:masterClrMapping/>
-  </p:clrMapOvr>
-  <mc:AlternateContent xmlns:mc="http://schemas.openxmlformats.org/markup-compatibility/2006" xmlns:p14="http://schemas.microsoft.com/office/powerpoint/2010/main">
-    <mc:Choice Requires="p14">
-      <p:transition spd="slow" p14:dur="900">
-        <p14:warp dir="in"/>
-      </p:transition>
-    </mc:Choice>
-    <mc:Fallback xmlns="">
-      <p:transition spd="slow">
-        <p:fade/>
-      </p:transition>
-    </mc:Fallback>
-  </mc:AlternateContent>
-  <p:timing>
-    <p:tnLst>
-      <p:par>
-        <p:cTn id="1" dur="indefinite" restart="never" nodeType="tmRoot">
-          <p:childTnLst>
-            <p:seq concurrent="1" nextAc="seek">
-              <p:cTn id="2" dur="indefinite" nodeType="mainSeq">
-                <p:childTnLst>
-                  <p:par>
-                    <p:cTn id="3" fill="hold">
-                      <p:stCondLst>
-                        <p:cond delay="indefinite"/>
-                      </p:stCondLst>
-                      <p:childTnLst>
-                        <p:par>
-                          <p:cTn id="4" fill="hold">
-                            <p:stCondLst>
-                              <p:cond delay="0"/>
-                            </p:stCondLst>
-                            <p:childTnLst>
-                              <p:par>
-                                <p:cTn id="5" presetID="1" presetClass="entr" presetSubtype="0" fill="hold" nodeType="clickEffect">
-                                  <p:stCondLst>
-                                    <p:cond delay="0"/>
-                                  </p:stCondLst>
-                                  <p:childTnLst>
-                                    <p:set>
-                                      <p:cBhvr>
-                                        <p:cTn id="6" dur="1" fill="hold">
-                                          <p:stCondLst>
-                                            <p:cond delay="0"/>
-                                          </p:stCondLst>
-                                        </p:cTn>
-                                        <p:tgtEl>
-                                          <p:spTgt spid="3">
-                                            <p:txEl>
-                                              <p:pRg st="0" end="0"/>
-                                            </p:txEl>
-                                          </p:spTgt>
-                                        </p:tgtEl>
-                                        <p:attrNameLst>
-                                          <p:attrName>style.visibility</p:attrName>
-                                        </p:attrNameLst>
-                                      </p:cBhvr>
-                                      <p:to>
-                                        <p:strVal val="visible"/>
-                                      </p:to>
-                                    </p:set>
-                                  </p:childTnLst>
-                                </p:cTn>
-                              </p:par>
-                            </p:childTnLst>
-                          </p:cTn>
-                        </p:par>
-                      </p:childTnLst>
-                    </p:cTn>
-                  </p:par>
-                  <p:par>
-                    <p:cTn id="7" fill="hold">
-                      <p:stCondLst>
-                        <p:cond delay="indefinite"/>
-                      </p:stCondLst>
-                      <p:childTnLst>
-                        <p:par>
-                          <p:cTn id="8" fill="hold">
-                            <p:stCondLst>
-                              <p:cond delay="0"/>
-                            </p:stCondLst>
-                            <p:childTnLst>
-                              <p:par>
-                                <p:cTn id="9" presetID="1" presetClass="entr" presetSubtype="0" fill="hold" nodeType="clickEffect">
-                                  <p:stCondLst>
-                                    <p:cond delay="0"/>
-                                  </p:stCondLst>
-                                  <p:childTnLst>
-                                    <p:set>
-                                      <p:cBhvr>
-                                        <p:cTn id="10" dur="1" fill="hold">
-                                          <p:stCondLst>
-                                            <p:cond delay="0"/>
-                                          </p:stCondLst>
-                                        </p:cTn>
-                                        <p:tgtEl>
-                                          <p:spTgt spid="3">
-                                            <p:txEl>
-                                              <p:pRg st="1" end="1"/>
-                                            </p:txEl>
-                                          </p:spTgt>
-                                        </p:tgtEl>
-                                        <p:attrNameLst>
-                                          <p:attrName>style.visibility</p:attrName>
-                                        </p:attrNameLst>
-                                      </p:cBhvr>
-                                      <p:to>
-                                        <p:strVal val="visible"/>
-                                      </p:to>
-                                    </p:set>
-                                  </p:childTnLst>
-                                </p:cTn>
-                              </p:par>
-                            </p:childTnLst>
-                          </p:cTn>
-                        </p:par>
-                      </p:childTnLst>
-                    </p:cTn>
-                  </p:par>
-                  <p:par>
-                    <p:cTn id="11" fill="hold">
-                      <p:stCondLst>
-                        <p:cond delay="indefinite"/>
-                      </p:stCondLst>
-                      <p:childTnLst>
-                        <p:par>
-                          <p:cTn id="12" fill="hold">
-                            <p:stCondLst>
-                              <p:cond delay="0"/>
-                            </p:stCondLst>
-                            <p:childTnLst>
-                              <p:par>
-                                <p:cTn id="13" presetID="1" presetClass="entr" presetSubtype="0" fill="hold" nodeType="clickEffect">
-                                  <p:stCondLst>
-                                    <p:cond delay="0"/>
-                                  </p:stCondLst>
-                                  <p:childTnLst>
-                                    <p:set>
-                                      <p:cBhvr>
-                                        <p:cTn id="14" dur="1" fill="hold">
-                                          <p:stCondLst>
-                                            <p:cond delay="0"/>
-                                          </p:stCondLst>
-                                        </p:cTn>
-                                        <p:tgtEl>
-                                          <p:spTgt spid="3">
-                                            <p:txEl>
-                                              <p:pRg st="3" end="3"/>
-                                            </p:txEl>
-                                          </p:spTgt>
-                                        </p:tgtEl>
-                                        <p:attrNameLst>
-                                          <p:attrName>style.visibility</p:attrName>
-                                        </p:attrNameLst>
-                                      </p:cBhvr>
-                                      <p:to>
-                                        <p:strVal val="visible"/>
-                                      </p:to>
-                                    </p:set>
-                                  </p:childTnLst>
-                                </p:cTn>
-                              </p:par>
-                            </p:childTnLst>
-                          </p:cTn>
-                        </p:par>
-                      </p:childTnLst>
-                    </p:cTn>
-                  </p:par>
-                  <p:par>
-                    <p:cTn id="15" fill="hold">
-                      <p:stCondLst>
-                        <p:cond delay="indefinite"/>
-                      </p:stCondLst>
-                      <p:childTnLst>
-                        <p:par>
-                          <p:cTn id="16" fill="hold">
-                            <p:stCondLst>
-                              <p:cond delay="0"/>
-                            </p:stCondLst>
-                            <p:childTnLst>
-                              <p:par>
-                                <p:cTn id="17" presetID="1" presetClass="entr" presetSubtype="0" fill="hold" nodeType="clickEffect">
-                                  <p:stCondLst>
-                                    <p:cond delay="0"/>
-                                  </p:stCondLst>
-                                  <p:childTnLst>
-                                    <p:set>
-                                      <p:cBhvr>
-                                        <p:cTn id="18" dur="1" fill="hold">
-                                          <p:stCondLst>
-                                            <p:cond delay="0"/>
-                                          </p:stCondLst>
-                                        </p:cTn>
-                                        <p:tgtEl>
-                                          <p:spTgt spid="3">
-                                            <p:txEl>
-                                              <p:pRg st="4" end="4"/>
-                                            </p:txEl>
-                                          </p:spTgt>
-                                        </p:tgtEl>
-                                        <p:attrNameLst>
-                                          <p:attrName>style.visibility</p:attrName>
-                                        </p:attrNameLst>
-                                      </p:cBhvr>
-                                      <p:to>
-                                        <p:strVal val="visible"/>
-                                      </p:to>
-                                    </p:set>
-                                  </p:childTnLst>
-                                </p:cTn>
-                              </p:par>
-                            </p:childTnLst>
-                          </p:cTn>
-                        </p:par>
-                      </p:childTnLst>
-                    </p:cTn>
-                  </p:par>
-                  <p:par>
-                    <p:cTn id="19" fill="hold">
-                      <p:stCondLst>
-                        <p:cond delay="indefinite"/>
-                      </p:stCondLst>
-                      <p:childTnLst>
-                        <p:par>
-                          <p:cTn id="20" fill="hold">
-                            <p:stCondLst>
-                              <p:cond delay="0"/>
-                            </p:stCondLst>
-                            <p:childTnLst>
-                              <p:par>
-                                <p:cTn id="21" presetID="1" presetClass="entr" presetSubtype="0" fill="hold" nodeType="clickEffect">
-                                  <p:stCondLst>
-                                    <p:cond delay="0"/>
-                                  </p:stCondLst>
-                                  <p:childTnLst>
-                                    <p:set>
-                                      <p:cBhvr>
-                                        <p:cTn id="22" dur="1" fill="hold">
-                                          <p:stCondLst>
-                                            <p:cond delay="0"/>
-                                          </p:stCondLst>
-                                        </p:cTn>
-                                        <p:tgtEl>
-                                          <p:spTgt spid="3">
-                                            <p:txEl>
-                                              <p:pRg st="6" end="6"/>
-                                            </p:txEl>
-                                          </p:spTgt>
-                                        </p:tgtEl>
-                                        <p:attrNameLst>
-                                          <p:attrName>style.visibility</p:attrName>
-                                        </p:attrNameLst>
-                                      </p:cBhvr>
-                                      <p:to>
-                                        <p:strVal val="visible"/>
-                                      </p:to>
-                                    </p:set>
-                                  </p:childTnLst>
-                                </p:cTn>
-                              </p:par>
-                            </p:childTnLst>
-                          </p:cTn>
-                        </p:par>
-                      </p:childTnLst>
-                    </p:cTn>
-                  </p:par>
-                  <p:par>
-                    <p:cTn id="23" fill="hold">
-                      <p:stCondLst>
-                        <p:cond delay="indefinite"/>
-                      </p:stCondLst>
-                      <p:childTnLst>
-                        <p:par>
-                          <p:cTn id="24" fill="hold">
-                            <p:stCondLst>
-                              <p:cond delay="0"/>
-                            </p:stCondLst>
-                            <p:childTnLst>
-                              <p:par>
-                                <p:cTn id="25" presetID="1" presetClass="entr" presetSubtype="0" fill="hold" nodeType="clickEffect">
-                                  <p:stCondLst>
-                                    <p:cond delay="0"/>
-                                  </p:stCondLst>
-                                  <p:childTnLst>
-                                    <p:set>
-                                      <p:cBhvr>
-                                        <p:cTn id="26" dur="1" fill="hold">
-                                          <p:stCondLst>
-                                            <p:cond delay="0"/>
-                                          </p:stCondLst>
-                                        </p:cTn>
-                                        <p:tgtEl>
-                                          <p:spTgt spid="3">
-                                            <p:txEl>
-                                              <p:pRg st="7" end="7"/>
-                                            </p:txEl>
-                                          </p:spTgt>
-                                        </p:tgtEl>
-                                        <p:attrNameLst>
-                                          <p:attrName>style.visibility</p:attrName>
-                                        </p:attrNameLst>
-                                      </p:cBhvr>
-                                      <p:to>
-                                        <p:strVal val="visible"/>
-                                      </p:to>
-                                    </p:set>
-                                  </p:childTnLst>
-                                </p:cTn>
-                              </p:par>
-                            </p:childTnLst>
-                          </p:cTn>
-                        </p:par>
-                      </p:childTnLst>
-                    </p:cTn>
-                  </p:par>
-                  <p:par>
-                    <p:cTn id="27" fill="hold">
-                      <p:stCondLst>
-                        <p:cond delay="indefinite"/>
-                      </p:stCondLst>
-                      <p:childTnLst>
-                        <p:par>
-                          <p:cTn id="28" fill="hold">
-                            <p:stCondLst>
-                              <p:cond delay="0"/>
-                            </p:stCondLst>
-                            <p:childTnLst>
-                              <p:par>
-                                <p:cTn id="29" presetID="1" presetClass="entr" presetSubtype="0" fill="hold" nodeType="clickEffect">
-                                  <p:stCondLst>
-                                    <p:cond delay="0"/>
-                                  </p:stCondLst>
-                                  <p:childTnLst>
-                                    <p:set>
-                                      <p:cBhvr>
-                                        <p:cTn id="30" dur="1" fill="hold">
-                                          <p:stCondLst>
-                                            <p:cond delay="0"/>
-                                          </p:stCondLst>
-                                        </p:cTn>
-                                        <p:tgtEl>
-                                          <p:spTgt spid="3">
-                                            <p:txEl>
-                                              <p:pRg st="8" end="8"/>
-                                            </p:txEl>
-                                          </p:spTgt>
-                                        </p:tgtEl>
-                                        <p:attrNameLst>
-                                          <p:attrName>style.visibility</p:attrName>
-                                        </p:attrNameLst>
-                                      </p:cBhvr>
-                                      <p:to>
-                                        <p:strVal val="visible"/>
-                                      </p:to>
-                                    </p:set>
-                                  </p:childTnLst>
-                                </p:cTn>
-                              </p:par>
-                            </p:childTnLst>
-                          </p:cTn>
-                        </p:par>
-                      </p:childTnLst>
-                    </p:cTn>
-                  </p:par>
-                  <p:par>
-                    <p:cTn id="31" fill="hold">
-                      <p:stCondLst>
-                        <p:cond delay="indefinite"/>
-                      </p:stCondLst>
-                      <p:childTnLst>
-                        <p:par>
-                          <p:cTn id="32" fill="hold">
-                            <p:stCondLst>
-                              <p:cond delay="0"/>
-                            </p:stCondLst>
-                            <p:childTnLst>
-                              <p:par>
-                                <p:cTn id="33" presetID="1" presetClass="entr" presetSubtype="0" fill="hold" nodeType="clickEffect">
-                                  <p:stCondLst>
-                                    <p:cond delay="0"/>
-                                  </p:stCondLst>
-                                  <p:childTnLst>
-                                    <p:set>
-                                      <p:cBhvr>
-                                        <p:cTn id="34" dur="1" fill="hold">
-                                          <p:stCondLst>
-                                            <p:cond delay="0"/>
-                                          </p:stCondLst>
-                                        </p:cTn>
-                                        <p:tgtEl>
-                                          <p:spTgt spid="3">
-                                            <p:txEl>
-                                              <p:pRg st="9" end="9"/>
-                                            </p:txEl>
-                                          </p:spTgt>
-                                        </p:tgtEl>
-                                        <p:attrNameLst>
-                                          <p:attrName>style.visibility</p:attrName>
-                                        </p:attrNameLst>
-                                      </p:cBhvr>
-                                      <p:to>
-                                        <p:strVal val="visible"/>
-                                      </p:to>
-                                    </p:set>
-                                  </p:childTnLst>
-                                </p:cTn>
-                              </p:par>
-                            </p:childTnLst>
-                          </p:cTn>
-                        </p:par>
-                      </p:childTnLst>
-                    </p:cTn>
-                  </p:par>
-                  <p:par>
-                    <p:cTn id="35" fill="hold">
-                      <p:stCondLst>
-                        <p:cond delay="indefinite"/>
-                      </p:stCondLst>
-                      <p:childTnLst>
-                        <p:par>
-                          <p:cTn id="36" fill="hold">
-                            <p:stCondLst>
-                              <p:cond delay="0"/>
-                            </p:stCondLst>
-                            <p:childTnLst>
-                              <p:par>
-                                <p:cTn id="37" presetID="1" presetClass="entr" presetSubtype="0" fill="hold" nodeType="clickEffect">
-                                  <p:stCondLst>
-                                    <p:cond delay="0"/>
-                                  </p:stCondLst>
-                                  <p:childTnLst>
-                                    <p:set>
-                                      <p:cBhvr>
-                                        <p:cTn id="38" dur="1" fill="hold">
-                                          <p:stCondLst>
-                                            <p:cond delay="0"/>
-                                          </p:stCondLst>
-                                        </p:cTn>
-                                        <p:tgtEl>
-                                          <p:spTgt spid="3">
-                                            <p:txEl>
-                                              <p:pRg st="10" end="10"/>
-                                            </p:txEl>
-                                          </p:spTgt>
-                                        </p:tgtEl>
-                                        <p:attrNameLst>
-                                          <p:attrName>style.visibility</p:attrName>
-                                        </p:attrNameLst>
-                                      </p:cBhvr>
-                                      <p:to>
-                                        <p:strVal val="visible"/>
-                                      </p:to>
-                                    </p:set>
-                                  </p:childTnLst>
-                                </p:cTn>
-                              </p:par>
-                            </p:childTnLst>
-                          </p:cTn>
-                        </p:par>
-                      </p:childTnLst>
-                    </p:cTn>
-                  </p:par>
-                  <p:par>
-                    <p:cTn id="39" fill="hold">
-                      <p:stCondLst>
-                        <p:cond delay="indefinite"/>
-                      </p:stCondLst>
-                      <p:childTnLst>
-                        <p:par>
-                          <p:cTn id="40" fill="hold">
-                            <p:stCondLst>
-                              <p:cond delay="0"/>
-                            </p:stCondLst>
-                            <p:childTnLst>
-                              <p:par>
-                                <p:cTn id="41" presetID="1" presetClass="entr" presetSubtype="0" fill="hold" nodeType="clickEffect">
-                                  <p:stCondLst>
-                                    <p:cond delay="0"/>
-                                  </p:stCondLst>
-                                  <p:childTnLst>
-                                    <p:set>
-                                      <p:cBhvr>
-                                        <p:cTn id="42" dur="1" fill="hold">
-                                          <p:stCondLst>
-                                            <p:cond delay="0"/>
-                                          </p:stCondLst>
-                                        </p:cTn>
-                                        <p:tgtEl>
-                                          <p:spTgt spid="3">
-                                            <p:txEl>
-                                              <p:pRg st="11" end="11"/>
-                                            </p:txEl>
-                                          </p:spTgt>
-                                        </p:tgtEl>
-                                        <p:attrNameLst>
-                                          <p:attrName>style.visibility</p:attrName>
-                                        </p:attrNameLst>
-                                      </p:cBhvr>
-                                      <p:to>
-                                        <p:strVal val="visible"/>
-                                      </p:to>
-                                    </p:set>
-                                  </p:childTnLst>
-                                </p:cTn>
-                              </p:par>
-                            </p:childTnLst>
-                          </p:cTn>
-                        </p:par>
-                      </p:childTnLst>
-                    </p:cTn>
-                  </p:par>
-                </p:childTnLst>
-              </p:cTn>
-              <p:prevCondLst>
-                <p:cond evt="onPrev" delay="0">
-                  <p:tgtEl>
-                    <p:sldTgt/>
-                  </p:tgtEl>
-                </p:cond>
-              </p:prevCondLst>
-              <p:nextCondLst>
-                <p:cond evt="onNext" delay="0">
-                  <p:tgtEl>
-                    <p:sldTgt/>
-                  </p:tgtEl>
-                </p:cond>
-              </p:nextCondLst>
-            </p:seq>
-          </p:childTnLst>
-        </p:cTn>
-      </p:par>
-    </p:tnLst>
-  </p:timing>
-</p:sld>
-</file>
-
-<file path=ppt/slides/slide6.xml><?xml version="1.0" encoding="utf-8"?>
-<p:sld xmlns:a="http://schemas.openxmlformats.org/drawingml/2006/main" xmlns:r="http://schemas.openxmlformats.org/officeDocument/2006/relationships" xmlns:p="http://schemas.openxmlformats.org/presentationml/2006/main">
-  <p:cSld>
-    <p:spTree>
-      <p:nvGrpSpPr>
-        <p:cNvPr id="1" name=""/>
-        <p:cNvGrpSpPr/>
-        <p:nvPr/>
-      </p:nvGrpSpPr>
-      <p:grpSpPr>
-        <a:xfrm>
-          <a:off x="0" y="0"/>
-          <a:ext cx="0" cy="0"/>
-          <a:chOff x="0" y="0"/>
-          <a:chExt cx="0" cy="0"/>
-        </a:xfrm>
-      </p:grpSpPr>
-      <p:sp>
-        <p:nvSpPr>
-          <p:cNvPr id="2" name="Заглавие 1"/>
-          <p:cNvSpPr>
-            <a:spLocks noGrp="1"/>
-          </p:cNvSpPr>
-          <p:nvPr>
-            <p:ph type="title"/>
-          </p:nvPr>
-        </p:nvSpPr>
-        <p:spPr>
-          <a:xfrm>
-            <a:off x="467544" y="0"/>
-            <a:ext cx="8229600" cy="1411560"/>
-          </a:xfrm>
-        </p:spPr>
-        <p:txBody>
-          <a:bodyPr/>
-          <a:lstStyle/>
-          <a:p>
-            <a:r>
-              <a:rPr lang="en-US" dirty="0" smtClean="0"/>
-              <a:t>Future plans</a:t>
-            </a:r>
-            <a:endParaRPr lang="bg-BG" dirty="0"/>
-          </a:p>
-        </p:txBody>
-      </p:sp>
-      <p:sp>
-        <p:nvSpPr>
-          <p:cNvPr id="3" name="Контейнер за съдържание 2"/>
-          <p:cNvSpPr>
-            <a:spLocks noGrp="1"/>
-          </p:cNvSpPr>
-          <p:nvPr>
-            <p:ph idx="1"/>
-          </p:nvPr>
-        </p:nvSpPr>
-        <p:spPr>
-          <a:xfrm>
-            <a:off x="467544" y="2564904"/>
-            <a:ext cx="8229600" cy="4525963"/>
-          </a:xfrm>
-        </p:spPr>
-        <p:txBody>
-          <a:bodyPr/>
-          <a:lstStyle/>
-          <a:p>
-            <a:r>
-              <a:rPr lang="en-US" dirty="0" smtClean="0"/>
-              <a:t>Make the project more secure and faster.</a:t>
-            </a:r>
-          </a:p>
-          <a:p>
-            <a:r>
-              <a:rPr lang="en-US" dirty="0"/>
-              <a:t>I</a:t>
-            </a:r>
-            <a:r>
-              <a:rPr lang="en-US" dirty="0" smtClean="0"/>
-              <a:t>mprove </a:t>
-            </a:r>
-            <a:r>
-              <a:rPr lang="en-US" dirty="0"/>
-              <a:t>the design</a:t>
-            </a:r>
-            <a:r>
-              <a:rPr lang="en-US" dirty="0" smtClean="0"/>
-              <a:t>.</a:t>
-            </a:r>
-            <a:endParaRPr lang="en-US" dirty="0"/>
-          </a:p>
-          <a:p>
-            <a:r>
-              <a:rPr lang="en-US" dirty="0"/>
-              <a:t>M</a:t>
-            </a:r>
-            <a:r>
-              <a:rPr lang="en-US" dirty="0" smtClean="0"/>
-              <a:t>ake more categories for pictures.</a:t>
-            </a:r>
-          </a:p>
-          <a:p>
-            <a:r>
-              <a:rPr lang="en-US" dirty="0" smtClean="0"/>
-              <a:t>Make posts with more fields.</a:t>
-            </a:r>
-          </a:p>
-          <a:p>
-            <a:r>
-              <a:rPr lang="en-US" dirty="0"/>
-              <a:t>A</a:t>
-            </a:r>
-            <a:r>
-              <a:rPr lang="en-US" dirty="0" smtClean="0"/>
-              <a:t>dd functionality for following users.</a:t>
-            </a:r>
-          </a:p>
-          <a:p>
-            <a:endParaRPr lang="bg-BG" dirty="0"/>
-          </a:p>
-        </p:txBody>
-      </p:sp>
-      <p:pic>
-        <p:nvPicPr>
-          <p:cNvPr id="5" name="Picture 3" descr="D:\WIFRepo\WebContent\images\notification_icon.png"/>
-          <p:cNvPicPr>
-            <a:picLocks noChangeAspect="1" noChangeArrowheads="1"/>
-          </p:cNvPicPr>
-          <p:nvPr/>
-        </p:nvPicPr>
-        <p:blipFill>
-          <a:blip r:embed="rId2">
-            <a:extLst>
-              <a:ext uri="{28A0092B-C50C-407E-A947-70E740481C1C}">
-                <a14:useLocalDpi xmlns:a14="http://schemas.microsoft.com/office/drawing/2010/main" val="0"/>
-              </a:ext>
-            </a:extLst>
-          </a:blip>
-          <a:srcRect/>
-          <a:stretch>
-            <a:fillRect/>
-          </a:stretch>
-        </p:blipFill>
-        <p:spPr bwMode="auto">
-          <a:xfrm>
-            <a:off x="179512" y="116632"/>
-            <a:ext cx="573906" cy="573906"/>
-          </a:xfrm>
-          <a:prstGeom prst="rect">
-            <a:avLst/>
-          </a:prstGeom>
-          <a:noFill/>
-          <a:extLst>
-            <a:ext uri="{909E8E84-426E-40DD-AFC4-6F175D3DCCD1}">
-              <a14:hiddenFill xmlns:a14="http://schemas.microsoft.com/office/drawing/2010/main">
-                <a:solidFill>
-                  <a:srgbClr val="FFFFFF"/>
-                </a:solidFill>
-              </a14:hiddenFill>
-            </a:ext>
-          </a:extLst>
-        </p:spPr>
-      </p:pic>
-    </p:spTree>
-    <p:extLst>
-      <p:ext uri="{BB962C8B-B14F-4D97-AF65-F5344CB8AC3E}">
-        <p14:creationId xmlns:p14="http://schemas.microsoft.com/office/powerpoint/2010/main" val="3105736161"/>
-      </p:ext>
-    </p:extLst>
-  </p:cSld>
-  <p:clrMapOvr>
-    <a:masterClrMapping/>
-  </p:clrMapOvr>
-  <mc:AlternateContent xmlns:mc="http://schemas.openxmlformats.org/markup-compatibility/2006" xmlns:p14="http://schemas.microsoft.com/office/powerpoint/2010/main">
-    <mc:Choice Requires="p14">
-      <p:transition spd="slow" p14:dur="900">
-        <p14:warp dir="in"/>
-      </p:transition>
-    </mc:Choice>
-    <mc:Fallback xmlns="">
-      <p:transition spd="slow">
-        <p:fade/>
-      </p:transition>
-    </mc:Fallback>
-  </mc:AlternateContent>
-  <p:timing>
-    <p:tnLst>
-      <p:par>
-        <p:cTn id="1" dur="indefinite" restart="never" nodeType="tmRoot">
-          <p:childTnLst>
-            <p:seq concurrent="1" nextAc="seek">
-              <p:cTn id="2" dur="indefinite" nodeType="mainSeq">
-                <p:childTnLst>
-                  <p:par>
-                    <p:cTn id="3" fill="hold">
-                      <p:stCondLst>
-                        <p:cond delay="indefinite"/>
-                      </p:stCondLst>
-                      <p:childTnLst>
-                        <p:par>
-                          <p:cTn id="4" fill="hold">
-                            <p:stCondLst>
-                              <p:cond delay="0"/>
-                            </p:stCondLst>
-                            <p:childTnLst>
-                              <p:par>
-                                <p:cTn id="5" presetID="1" presetClass="entr" presetSubtype="0" fill="hold" nodeType="clickEffect">
-                                  <p:stCondLst>
-                                    <p:cond delay="0"/>
-                                  </p:stCondLst>
-                                  <p:childTnLst>
-                                    <p:set>
-                                      <p:cBhvr>
-                                        <p:cTn id="6" dur="1" fill="hold">
-                                          <p:stCondLst>
-                                            <p:cond delay="0"/>
-                                          </p:stCondLst>
-                                        </p:cTn>
-                                        <p:tgtEl>
-                                          <p:spTgt spid="3">
-                                            <p:txEl>
-                                              <p:pRg st="0" end="0"/>
-                                            </p:txEl>
-                                          </p:spTgt>
-                                        </p:tgtEl>
-                                        <p:attrNameLst>
-                                          <p:attrName>style.visibility</p:attrName>
-                                        </p:attrNameLst>
-                                      </p:cBhvr>
-                                      <p:to>
-                                        <p:strVal val="visible"/>
-                                      </p:to>
-                                    </p:set>
-                                  </p:childTnLst>
-                                </p:cTn>
-                              </p:par>
-                            </p:childTnLst>
-                          </p:cTn>
-                        </p:par>
-                      </p:childTnLst>
-                    </p:cTn>
-                  </p:par>
-                  <p:par>
-                    <p:cTn id="7" fill="hold">
-                      <p:stCondLst>
-                        <p:cond delay="indefinite"/>
-                      </p:stCondLst>
-                      <p:childTnLst>
-                        <p:par>
-                          <p:cTn id="8" fill="hold">
-                            <p:stCondLst>
-                              <p:cond delay="0"/>
-                            </p:stCondLst>
-                            <p:childTnLst>
-                              <p:par>
-                                <p:cTn id="9" presetID="1" presetClass="entr" presetSubtype="0" fill="hold" nodeType="clickEffect">
-                                  <p:stCondLst>
-                                    <p:cond delay="0"/>
-                                  </p:stCondLst>
-                                  <p:childTnLst>
-                                    <p:set>
-                                      <p:cBhvr>
-                                        <p:cTn id="10" dur="1" fill="hold">
-                                          <p:stCondLst>
-                                            <p:cond delay="0"/>
-                                          </p:stCondLst>
-                                        </p:cTn>
-                                        <p:tgtEl>
-                                          <p:spTgt spid="3">
-                                            <p:txEl>
-                                              <p:pRg st="1" end="1"/>
-                                            </p:txEl>
-                                          </p:spTgt>
-                                        </p:tgtEl>
-                                        <p:attrNameLst>
-                                          <p:attrName>style.visibility</p:attrName>
-                                        </p:attrNameLst>
-                                      </p:cBhvr>
-                                      <p:to>
-                                        <p:strVal val="visible"/>
-                                      </p:to>
-                                    </p:set>
-                                  </p:childTnLst>
-                                </p:cTn>
-                              </p:par>
-                            </p:childTnLst>
-                          </p:cTn>
-                        </p:par>
-                      </p:childTnLst>
-                    </p:cTn>
-                  </p:par>
-                  <p:par>
-                    <p:cTn id="11" fill="hold">
-                      <p:stCondLst>
-                        <p:cond delay="indefinite"/>
-                      </p:stCondLst>
-                      <p:childTnLst>
-                        <p:par>
-                          <p:cTn id="12" fill="hold">
-                            <p:stCondLst>
-                              <p:cond delay="0"/>
-                            </p:stCondLst>
-                            <p:childTnLst>
-                              <p:par>
-                                <p:cTn id="13" presetID="1" presetClass="entr" presetSubtype="0" fill="hold" nodeType="clickEffect">
-                                  <p:stCondLst>
-                                    <p:cond delay="0"/>
-                                  </p:stCondLst>
-                                  <p:childTnLst>
-                                    <p:set>
-                                      <p:cBhvr>
-                                        <p:cTn id="14" dur="1" fill="hold">
-                                          <p:stCondLst>
-                                            <p:cond delay="0"/>
-                                          </p:stCondLst>
-                                        </p:cTn>
-                                        <p:tgtEl>
-                                          <p:spTgt spid="3">
-                                            <p:txEl>
-                                              <p:pRg st="2" end="2"/>
-                                            </p:txEl>
-                                          </p:spTgt>
-                                        </p:tgtEl>
-                                        <p:attrNameLst>
-                                          <p:attrName>style.visibility</p:attrName>
-                                        </p:attrNameLst>
-                                      </p:cBhvr>
-                                      <p:to>
-                                        <p:strVal val="visible"/>
-                                      </p:to>
-                                    </p:set>
-                                  </p:childTnLst>
-                                </p:cTn>
-                              </p:par>
-                            </p:childTnLst>
-                          </p:cTn>
-                        </p:par>
-                      </p:childTnLst>
-                    </p:cTn>
-                  </p:par>
-                  <p:par>
-                    <p:cTn id="15" fill="hold">
-                      <p:stCondLst>
-                        <p:cond delay="indefinite"/>
-                      </p:stCondLst>
-                      <p:childTnLst>
-                        <p:par>
-                          <p:cTn id="16" fill="hold">
-                            <p:stCondLst>
-                              <p:cond delay="0"/>
-                            </p:stCondLst>
-                            <p:childTnLst>
-                              <p:par>
-                                <p:cTn id="17" presetID="1" presetClass="entr" presetSubtype="0" fill="hold" nodeType="clickEffect">
-                                  <p:stCondLst>
-                                    <p:cond delay="0"/>
-                                  </p:stCondLst>
-                                  <p:childTnLst>
-                                    <p:set>
-                                      <p:cBhvr>
-                                        <p:cTn id="18" dur="1" fill="hold">
-                                          <p:stCondLst>
-                                            <p:cond delay="0"/>
-                                          </p:stCondLst>
-                                        </p:cTn>
-                                        <p:tgtEl>
-                                          <p:spTgt spid="3">
-                                            <p:txEl>
-                                              <p:pRg st="3" end="3"/>
-                                            </p:txEl>
-                                          </p:spTgt>
-                                        </p:tgtEl>
-                                        <p:attrNameLst>
-                                          <p:attrName>style.visibility</p:attrName>
-                                        </p:attrNameLst>
-                                      </p:cBhvr>
-                                      <p:to>
-                                        <p:strVal val="visible"/>
-                                      </p:to>
-                                    </p:set>
-                                  </p:childTnLst>
-                                </p:cTn>
-                              </p:par>
-                            </p:childTnLst>
-                          </p:cTn>
-                        </p:par>
-                      </p:childTnLst>
-                    </p:cTn>
-                  </p:par>
-                  <p:par>
-                    <p:cTn id="19" fill="hold">
-                      <p:stCondLst>
-                        <p:cond delay="indefinite"/>
-                      </p:stCondLst>
-                      <p:childTnLst>
-                        <p:par>
-                          <p:cTn id="20" fill="hold">
-                            <p:stCondLst>
-                              <p:cond delay="0"/>
-                            </p:stCondLst>
-                            <p:childTnLst>
-                              <p:par>
-                                <p:cTn id="21" presetID="1" presetClass="entr" presetSubtype="0" fill="hold" nodeType="clickEffect">
-                                  <p:stCondLst>
-                                    <p:cond delay="0"/>
-                                  </p:stCondLst>
-                                  <p:childTnLst>
-                                    <p:set>
-                                      <p:cBhvr>
-                                        <p:cTn id="22" dur="1" fill="hold">
-                                          <p:stCondLst>
-                                            <p:cond delay="0"/>
-                                          </p:stCondLst>
-                                        </p:cTn>
-                                        <p:tgtEl>
-                                          <p:spTgt spid="3">
-                                            <p:txEl>
-                                              <p:pRg st="4" end="4"/>
-                                            </p:txEl>
-                                          </p:spTgt>
-                                        </p:tgtEl>
-                                        <p:attrNameLst>
-                                          <p:attrName>style.visibility</p:attrName>
-                                        </p:attrNameLst>
-                                      </p:cBhvr>
-                                      <p:to>
-                                        <p:strVal val="visible"/>
-                                      </p:to>
-                                    </p:set>
-                                  </p:childTnLst>
-                                </p:cTn>
-                              </p:par>
-                            </p:childTnLst>
-                          </p:cTn>
-                        </p:par>
-                      </p:childTnLst>
-                    </p:cTn>
-                  </p:par>
-                </p:childTnLst>
-              </p:cTn>
-              <p:prevCondLst>
-                <p:cond evt="onPrev" delay="0">
-                  <p:tgtEl>
-                    <p:sldTgt/>
-                  </p:tgtEl>
-                </p:cond>
-              </p:prevCondLst>
-              <p:nextCondLst>
-                <p:cond evt="onNext" delay="0">
-                  <p:tgtEl>
-                    <p:sldTgt/>
-                  </p:tgtEl>
-                </p:cond>
-              </p:nextCondLst>
-            </p:seq>
-          </p:childTnLst>
-        </p:cTn>
-      </p:par>
-    </p:tnLst>
-  </p:timing>
-</p:sld>
-</file>
-
-<file path=ppt/slides/slide7.xml><?xml version="1.0" encoding="utf-8"?>
-<p:sld xmlns:a="http://schemas.openxmlformats.org/drawingml/2006/main" xmlns:r="http://schemas.openxmlformats.org/officeDocument/2006/relationships" xmlns:p="http://schemas.openxmlformats.org/presentationml/2006/main">
-  <p:cSld>
-    <p:spTree>
-      <p:nvGrpSpPr>
-        <p:cNvPr id="1" name=""/>
-        <p:cNvGrpSpPr/>
-        <p:nvPr/>
-      </p:nvGrpSpPr>
-      <p:grpSpPr>
-        <a:xfrm>
-          <a:off x="0" y="0"/>
-          <a:ext cx="0" cy="0"/>
-          <a:chOff x="0" y="0"/>
-          <a:chExt cx="0" cy="0"/>
-        </a:xfrm>
-      </p:grpSpPr>
-      <p:sp>
-        <p:nvSpPr>
-          <p:cNvPr id="2" name="Заглавие 1"/>
-          <p:cNvSpPr>
-            <a:spLocks noGrp="1"/>
-          </p:cNvSpPr>
-          <p:nvPr>
-            <p:ph type="title"/>
-          </p:nvPr>
-        </p:nvSpPr>
-        <p:spPr>
-          <a:xfrm>
-            <a:off x="467544" y="1772816"/>
-            <a:ext cx="8229600" cy="3573016"/>
-          </a:xfrm>
-        </p:spPr>
-        <p:txBody>
-          <a:bodyPr/>
-          <a:lstStyle/>
-          <a:p>
-            <a:r>
-              <a:rPr lang="en-US" dirty="0" smtClean="0"/>
-              <a:t>Thank you for your attention!</a:t>
-            </a:r>
-            <a:br>
-              <a:rPr lang="en-US" dirty="0" smtClean="0"/>
-            </a:br>
-            <a:r>
-              <a:rPr lang="en-US" dirty="0"/>
-              <a:t/>
-            </a:r>
-            <a:br>
-              <a:rPr lang="en-US" dirty="0"/>
-            </a:br>
-            <a:endParaRPr lang="bg-BG" dirty="0"/>
-          </a:p>
-        </p:txBody>
-      </p:sp>
-    </p:spTree>
-    <p:extLst>
-      <p:ext uri="{BB962C8B-B14F-4D97-AF65-F5344CB8AC3E}">
-        <p14:creationId xmlns:p14="http://schemas.microsoft.com/office/powerpoint/2010/main" val="1089335960"/>
-      </p:ext>
-    </p:extLst>
-  </p:cSld>
-  <p:clrMapOvr>
-    <a:masterClrMapping/>
-  </p:clrMapOvr>
-  <p:timing>
-    <p:tnLst>
-      <p:par>
-        <p:cTn id="1" dur="indefinite" restart="never" nodeType="tmRoot">
-          <p:childTnLst>
-            <p:seq concurrent="1" nextAc="seek">
-              <p:cTn id="2" dur="indefinite" nodeType="mainSeq">
-                <p:childTnLst>
-                  <p:par>
-                    <p:cTn id="3" fill="hold">
-                      <p:stCondLst>
-                        <p:cond delay="indefinite"/>
-                      </p:stCondLst>
-                      <p:childTnLst>
-                        <p:par>
-                          <p:cTn id="4" fill="hold">
-                            <p:stCondLst>
-                              <p:cond delay="0"/>
-                            </p:stCondLst>
-                            <p:childTnLst>
-                              <p:par>
-                                <p:cTn id="5" presetID="34" presetClass="emph" presetSubtype="0" fill="hold" grpId="0" nodeType="clickEffect">
-                                  <p:stCondLst>
-                                    <p:cond delay="0"/>
-                                  </p:stCondLst>
-                                  <p:iterate type="lt">
-                                    <p:tmPct val="10000"/>
-                                  </p:iterate>
-                                  <p:childTnLst>
-                                    <p:animMotion origin="layout" path="M 0.0 0.0 L 0.0 -0.07213" pathEditMode="relative" ptsTypes="">
-                                      <p:cBhvr>
-                                        <p:cTn id="6" dur="250" accel="50000" decel="50000" autoRev="1" fill="hold">
-                                          <p:stCondLst>
-                                            <p:cond delay="0"/>
-                                          </p:stCondLst>
-                                        </p:cTn>
-                                        <p:tgtEl>
-                                          <p:spTgt spid="2"/>
-                                        </p:tgtEl>
-                                        <p:attrNameLst>
-                                          <p:attrName>ppt_x</p:attrName>
-                                          <p:attrName>ppt_y</p:attrName>
-                                        </p:attrNameLst>
-                                      </p:cBhvr>
-                                    </p:animMotion>
-                                    <p:animRot by="1500000">
-                                      <p:cBhvr>
-                                        <p:cTn id="7" dur="125" fill="hold">
-                                          <p:stCondLst>
-                                            <p:cond delay="0"/>
-                                          </p:stCondLst>
-                                        </p:cTn>
-                                        <p:tgtEl>
-                                          <p:spTgt spid="2"/>
-                                        </p:tgtEl>
-                                        <p:attrNameLst>
-                                          <p:attrName>r</p:attrName>
-                                        </p:attrNameLst>
-                                      </p:cBhvr>
-                                    </p:animRot>
-                                    <p:animRot by="-1500000">
-                                      <p:cBhvr>
-                                        <p:cTn id="8" dur="125" fill="hold">
-                                          <p:stCondLst>
-                                            <p:cond delay="125"/>
-                                          </p:stCondLst>
-                                        </p:cTn>
-                                        <p:tgtEl>
-                                          <p:spTgt spid="2"/>
-                                        </p:tgtEl>
-                                        <p:attrNameLst>
-                                          <p:attrName>r</p:attrName>
-                                        </p:attrNameLst>
-                                      </p:cBhvr>
-                                    </p:animRot>
-                                    <p:animRot by="-1500000">
-                                      <p:cBhvr>
-                                        <p:cTn id="9" dur="125" fill="hold">
-                                          <p:stCondLst>
-                                            <p:cond delay="250"/>
-                                          </p:stCondLst>
-                                        </p:cTn>
-                                        <p:tgtEl>
-                                          <p:spTgt spid="2"/>
-                                        </p:tgtEl>
-                                        <p:attrNameLst>
-                                          <p:attrName>r</p:attrName>
-                                        </p:attrNameLst>
-                                      </p:cBhvr>
-                                    </p:animRot>
-                                    <p:animRot by="1500000">
-                                      <p:cBhvr>
-                                        <p:cTn id="10" dur="125" fill="hold">
-                                          <p:stCondLst>
-                                            <p:cond delay="375"/>
-                                          </p:stCondLst>
-                                        </p:cTn>
-                                        <p:tgtEl>
-                                          <p:spTgt spid="2"/>
-                                        </p:tgtEl>
-                                        <p:attrNameLst>
-                                          <p:attrName>r</p:attrName>
-                                        </p:attrNameLst>
-                                      </p:cBhvr>
-                                    </p:animRot>
-                                  </p:childTnLst>
-                                </p:cTn>
-                              </p:par>
-                            </p:childTnLst>
-                          </p:cTn>
-                        </p:par>
-                      </p:childTnLst>
-                    </p:cTn>
-                  </p:par>
                 </p:childTnLst>
               </p:cTn>
               <p:prevCondLst>
@@ -6134,8 +7193,137 @@
       </p:par>
     </p:tnLst>
     <p:bldLst>
-      <p:bldP spid="2" grpId="0"/>
+      <p:bldP spid="3" grpId="0" build="p"/>
     </p:bldLst>
+  </p:timing>
+</p:sld>
+</file>
+
+<file path=ppt/slides/slide7.xml><?xml version="1.0" encoding="utf-8"?>
+<p:sld xmlns:a="http://schemas.openxmlformats.org/drawingml/2006/main" xmlns:r="http://schemas.openxmlformats.org/officeDocument/2006/relationships" xmlns:p="http://schemas.openxmlformats.org/presentationml/2006/main" showMasterSp="0">
+  <p:cSld>
+    <p:spTree>
+      <p:nvGrpSpPr>
+        <p:cNvPr id="1" name=""/>
+        <p:cNvGrpSpPr/>
+        <p:nvPr/>
+      </p:nvGrpSpPr>
+      <p:grpSpPr>
+        <a:xfrm>
+          <a:off x="0" y="0"/>
+          <a:ext cx="0" cy="0"/>
+          <a:chOff x="0" y="0"/>
+          <a:chExt cx="0" cy="0"/>
+        </a:xfrm>
+      </p:grpSpPr>
+      <p:sp>
+        <p:nvSpPr>
+          <p:cNvPr id="2" name="Заглавие 1"/>
+          <p:cNvSpPr>
+            <a:spLocks noGrp="1"/>
+          </p:cNvSpPr>
+          <p:nvPr>
+            <p:ph type="title"/>
+          </p:nvPr>
+        </p:nvSpPr>
+        <p:spPr>
+          <a:xfrm>
+            <a:off x="467544" y="1772816"/>
+            <a:ext cx="8229600" cy="3573016"/>
+          </a:xfrm>
+        </p:spPr>
+        <p:txBody>
+          <a:bodyPr/>
+          <a:lstStyle/>
+          <a:p>
+            <a:r>
+              <a:rPr lang="en-US" sz="6600" dirty="0" smtClean="0">
+                <a:solidFill>
+                  <a:srgbClr val="5E0857"/>
+                </a:solidFill>
+                <a:latin typeface="Gabriola" panose="04040605051002020D02" pitchFamily="82" charset="0"/>
+              </a:rPr>
+              <a:t>Thank you for your attention!</a:t>
+            </a:r>
+            <a:br>
+              <a:rPr lang="en-US" sz="6600" dirty="0" smtClean="0">
+                <a:solidFill>
+                  <a:srgbClr val="5E0857"/>
+                </a:solidFill>
+                <a:latin typeface="Gabriola" panose="04040605051002020D02" pitchFamily="82" charset="0"/>
+              </a:rPr>
+            </a:br>
+            <a:r>
+              <a:rPr lang="en-US" dirty="0"/>
+              <a:t/>
+            </a:r>
+            <a:br>
+              <a:rPr lang="en-US" dirty="0"/>
+            </a:br>
+            <a:endParaRPr lang="bg-BG" dirty="0"/>
+          </a:p>
+        </p:txBody>
+      </p:sp>
+      <p:pic>
+        <p:nvPicPr>
+          <p:cNvPr id="3" name="Picture 2" descr="D:\WIFRepo\WebContent\images\logo.png"/>
+          <p:cNvPicPr>
+            <a:picLocks noChangeAspect="1" noChangeArrowheads="1"/>
+          </p:cNvPicPr>
+          <p:nvPr/>
+        </p:nvPicPr>
+        <p:blipFill>
+          <a:blip r:embed="rId2">
+            <a:extLst>
+              <a:ext uri="{28A0092B-C50C-407E-A947-70E740481C1C}">
+                <a14:useLocalDpi xmlns:a14="http://schemas.microsoft.com/office/drawing/2010/main" val="0"/>
+              </a:ext>
+            </a:extLst>
+          </a:blip>
+          <a:srcRect/>
+          <a:stretch>
+            <a:fillRect/>
+          </a:stretch>
+        </p:blipFill>
+        <p:spPr bwMode="auto">
+          <a:xfrm>
+            <a:off x="2833090" y="620688"/>
+            <a:ext cx="3498507" cy="2025452"/>
+          </a:xfrm>
+          <a:prstGeom prst="rect">
+            <a:avLst/>
+          </a:prstGeom>
+          <a:noFill/>
+          <a:extLst>
+            <a:ext uri="{909E8E84-426E-40DD-AFC4-6F175D3DCCD1}">
+              <a14:hiddenFill xmlns:a14="http://schemas.microsoft.com/office/drawing/2010/main">
+                <a:solidFill>
+                  <a:srgbClr val="FFFFFF"/>
+                </a:solidFill>
+              </a14:hiddenFill>
+            </a:ext>
+          </a:extLst>
+        </p:spPr>
+      </p:pic>
+    </p:spTree>
+    <p:extLst>
+      <p:ext uri="{BB962C8B-B14F-4D97-AF65-F5344CB8AC3E}">
+        <p14:creationId xmlns:p14="http://schemas.microsoft.com/office/powerpoint/2010/main" val="1089335960"/>
+      </p:ext>
+    </p:extLst>
+  </p:cSld>
+  <p:clrMapOvr>
+    <a:masterClrMapping/>
+  </p:clrMapOvr>
+  <p:transition spd="med">
+    <p:pull/>
+  </p:transition>
+  <p:timing>
+    <p:tnLst>
+      <p:par>
+        <p:cTn id="1" dur="indefinite" restart="never" nodeType="tmRoot"/>
+      </p:par>
+    </p:tnLst>
   </p:timing>
 </p:sld>
 </file>
